--- a/doc/Verwaltung_Von_Seminarräumen/PP_Verwaltung_von_Seminarräumen.pptx
+++ b/doc/Verwaltung_Von_Seminarräumen/PP_Verwaltung_von_Seminarräumen.pptx
@@ -7,7 +7,12 @@
   <p:sldIdLst>
     <p:sldId id="256" r:id="rId2"/>
     <p:sldId id="257" r:id="rId3"/>
-    <p:sldId id="258" r:id="rId4"/>
+    <p:sldId id="261" r:id="rId4"/>
+    <p:sldId id="262" r:id="rId5"/>
+    <p:sldId id="258" r:id="rId6"/>
+    <p:sldId id="259" r:id="rId7"/>
+    <p:sldId id="260" r:id="rId8"/>
+    <p:sldId id="263" r:id="rId9"/>
   </p:sldIdLst>
   <p:sldSz cx="9144000" cy="6858000" type="screen4x3"/>
   <p:notesSz cx="6858000" cy="9144000"/>
@@ -291,7 +296,7 @@
             <a:fld id="{1BA50D42-C9CD-4801-B293-61D1F53EC57E}" type="datetimeFigureOut">
               <a:rPr lang="de-DE" smtClean="0"/>
               <a:pPr/>
-              <a:t>26.06.2022</a:t>
+              <a:t>27.06.2022</a:t>
             </a:fld>
             <a:endParaRPr lang="de-DE"/>
           </a:p>
@@ -458,7 +463,7 @@
             <a:fld id="{1BA50D42-C9CD-4801-B293-61D1F53EC57E}" type="datetimeFigureOut">
               <a:rPr lang="de-DE" smtClean="0"/>
               <a:pPr/>
-              <a:t>26.06.2022</a:t>
+              <a:t>27.06.2022</a:t>
             </a:fld>
             <a:endParaRPr lang="de-DE"/>
           </a:p>
@@ -635,7 +640,7 @@
             <a:fld id="{1BA50D42-C9CD-4801-B293-61D1F53EC57E}" type="datetimeFigureOut">
               <a:rPr lang="de-DE" smtClean="0"/>
               <a:pPr/>
-              <a:t>26.06.2022</a:t>
+              <a:t>27.06.2022</a:t>
             </a:fld>
             <a:endParaRPr lang="de-DE"/>
           </a:p>
@@ -802,7 +807,7 @@
             <a:fld id="{1BA50D42-C9CD-4801-B293-61D1F53EC57E}" type="datetimeFigureOut">
               <a:rPr lang="de-DE" smtClean="0"/>
               <a:pPr/>
-              <a:t>26.06.2022</a:t>
+              <a:t>27.06.2022</a:t>
             </a:fld>
             <a:endParaRPr lang="de-DE"/>
           </a:p>
@@ -1045,7 +1050,7 @@
             <a:fld id="{1BA50D42-C9CD-4801-B293-61D1F53EC57E}" type="datetimeFigureOut">
               <a:rPr lang="de-DE" smtClean="0"/>
               <a:pPr/>
-              <a:t>26.06.2022</a:t>
+              <a:t>27.06.2022</a:t>
             </a:fld>
             <a:endParaRPr lang="de-DE"/>
           </a:p>
@@ -1330,7 +1335,7 @@
             <a:fld id="{1BA50D42-C9CD-4801-B293-61D1F53EC57E}" type="datetimeFigureOut">
               <a:rPr lang="de-DE" smtClean="0"/>
               <a:pPr/>
-              <a:t>26.06.2022</a:t>
+              <a:t>27.06.2022</a:t>
             </a:fld>
             <a:endParaRPr lang="de-DE"/>
           </a:p>
@@ -1749,7 +1754,7 @@
             <a:fld id="{1BA50D42-C9CD-4801-B293-61D1F53EC57E}" type="datetimeFigureOut">
               <a:rPr lang="de-DE" smtClean="0"/>
               <a:pPr/>
-              <a:t>26.06.2022</a:t>
+              <a:t>27.06.2022</a:t>
             </a:fld>
             <a:endParaRPr lang="de-DE"/>
           </a:p>
@@ -1864,7 +1869,7 @@
             <a:fld id="{1BA50D42-C9CD-4801-B293-61D1F53EC57E}" type="datetimeFigureOut">
               <a:rPr lang="de-DE" smtClean="0"/>
               <a:pPr/>
-              <a:t>26.06.2022</a:t>
+              <a:t>27.06.2022</a:t>
             </a:fld>
             <a:endParaRPr lang="de-DE"/>
           </a:p>
@@ -1956,7 +1961,7 @@
             <a:fld id="{1BA50D42-C9CD-4801-B293-61D1F53EC57E}" type="datetimeFigureOut">
               <a:rPr lang="de-DE" smtClean="0"/>
               <a:pPr/>
-              <a:t>26.06.2022</a:t>
+              <a:t>27.06.2022</a:t>
             </a:fld>
             <a:endParaRPr lang="de-DE"/>
           </a:p>
@@ -2230,7 +2235,7 @@
             <a:fld id="{1BA50D42-C9CD-4801-B293-61D1F53EC57E}" type="datetimeFigureOut">
               <a:rPr lang="de-DE" smtClean="0"/>
               <a:pPr/>
-              <a:t>26.06.2022</a:t>
+              <a:t>27.06.2022</a:t>
             </a:fld>
             <a:endParaRPr lang="de-DE"/>
           </a:p>
@@ -2480,7 +2485,7 @@
             <a:fld id="{1BA50D42-C9CD-4801-B293-61D1F53EC57E}" type="datetimeFigureOut">
               <a:rPr lang="de-DE" smtClean="0"/>
               <a:pPr/>
-              <a:t>26.06.2022</a:t>
+              <a:t>27.06.2022</a:t>
             </a:fld>
             <a:endParaRPr lang="de-DE"/>
           </a:p>
@@ -2690,7 +2695,7 @@
             <a:fld id="{1BA50D42-C9CD-4801-B293-61D1F53EC57E}" type="datetimeFigureOut">
               <a:rPr lang="de-DE" smtClean="0"/>
               <a:pPr/>
-              <a:t>26.06.2022</a:t>
+              <a:t>27.06.2022</a:t>
             </a:fld>
             <a:endParaRPr lang="de-DE"/>
           </a:p>
@@ -3138,6 +3143,13 @@
   <p:clrMapOvr>
     <a:masterClrMapping/>
   </p:clrMapOvr>
+  <p:timing>
+    <p:tnLst>
+      <p:par>
+        <p:cTn id="1" dur="indefinite" restart="never" nodeType="tmRoot"/>
+      </p:par>
+    </p:tnLst>
+  </p:timing>
 </p:sld>
 </file>
 
@@ -3225,11 +3237,7 @@
             </a:r>
             <a:r>
               <a:rPr lang="de-DE" sz="1400" dirty="0" err="1" smtClean="0"/>
-              <a:t>P</a:t>
-            </a:r>
-            <a:r>
-              <a:rPr lang="de-DE" sz="1400" dirty="0" err="1" smtClean="0"/>
-              <a:t>riorisierung</a:t>
+              <a:t>Priorisierung</a:t>
             </a:r>
             <a:r>
               <a:rPr lang="de-DE" sz="1400" dirty="0" smtClean="0"/>
@@ -3261,13 +3269,8 @@
             <a:pPr lvl="1"/>
             <a:r>
               <a:rPr lang="de-DE" sz="1400" dirty="0" smtClean="0"/>
-              <a:t>Lesbarkeit okay bei 95% der Nutzer sollen nach 3 Monaten zufrieden sein, 2 Jahre </a:t>
-            </a:r>
-            <a:r>
-              <a:rPr lang="de-DE" sz="1400" dirty="0" smtClean="0"/>
-              <a:t>Fehlerfrei.</a:t>
-            </a:r>
-            <a:endParaRPr lang="de-DE" sz="1400" dirty="0" smtClean="0"/>
+              <a:t>Lesbarkeit okay bei 95% der Nutzer sollen nach 3 Monaten zufrieden sein, 2 Jahre Fehlerfrei.</a:t>
+            </a:r>
           </a:p>
           <a:p>
             <a:r>
@@ -3294,19 +3297,13 @@
               <a:rPr lang="de-DE" sz="1400" dirty="0" smtClean="0"/>
               <a:t>Von Anforderung bis Abgabe, keine Wartung. </a:t>
             </a:r>
-            <a:endParaRPr lang="de-DE" sz="1400" dirty="0" smtClean="0"/>
           </a:p>
           <a:p>
             <a:pPr lvl="1"/>
             <a:r>
               <a:rPr lang="de-DE" sz="1400" dirty="0" smtClean="0"/>
-              <a:t>Zeitmanagement, Falsche Daten, </a:t>
-            </a:r>
-            <a:r>
-              <a:rPr lang="de-DE" sz="1400" dirty="0" smtClean="0"/>
-              <a:t>Datenverlust.</a:t>
-            </a:r>
-            <a:endParaRPr lang="de-DE" sz="1400" dirty="0" smtClean="0"/>
+              <a:t>Zeitmanagement, Falsche Daten, Datenverlust.</a:t>
+            </a:r>
           </a:p>
           <a:p>
             <a:r>
@@ -3320,7 +3317,6 @@
               <a:rPr lang="de-DE" sz="1400" dirty="0" smtClean="0"/>
               <a:t>Ende Juni 2022 </a:t>
             </a:r>
-            <a:endParaRPr lang="de-DE" sz="1400" dirty="0" smtClean="0"/>
           </a:p>
           <a:p>
             <a:endParaRPr lang="de-DE" sz="1800" dirty="0"/>
@@ -3332,6 +3328,13 @@
   <p:clrMapOvr>
     <a:masterClrMapping/>
   </p:clrMapOvr>
+  <p:timing>
+    <p:tnLst>
+      <p:par>
+        <p:cTn id="1" dur="indefinite" restart="never" nodeType="tmRoot"/>
+      </p:par>
+    </p:tnLst>
+  </p:timing>
 </p:sld>
 </file>
 
@@ -3369,7 +3372,7 @@
           <a:p>
             <a:r>
               <a:rPr lang="de-DE" dirty="0" smtClean="0"/>
-              <a:t>Erreichtes</a:t>
+              <a:t>Technologien</a:t>
             </a:r>
             <a:endParaRPr lang="de-DE" dirty="0"/>
           </a:p>
@@ -3394,6 +3397,369 @@
           <a:p>
             <a:r>
               <a:rPr lang="de-DE" sz="1800" dirty="0" smtClean="0"/>
+              <a:t>Front End</a:t>
+            </a:r>
+          </a:p>
+          <a:p>
+            <a:pPr lvl="1"/>
+            <a:r>
+              <a:rPr lang="de-DE" sz="1400" dirty="0" smtClean="0"/>
+              <a:t>CSHTML / </a:t>
+            </a:r>
+            <a:r>
+              <a:rPr lang="de-DE" sz="1400" dirty="0" err="1" smtClean="0"/>
+              <a:t>Razorpages</a:t>
+            </a:r>
+            <a:endParaRPr lang="de-DE" sz="1400" dirty="0" smtClean="0"/>
+          </a:p>
+          <a:p>
+            <a:pPr lvl="1"/>
+            <a:r>
+              <a:rPr lang="de-DE" sz="1400" dirty="0" smtClean="0"/>
+              <a:t>CSS</a:t>
+            </a:r>
+          </a:p>
+          <a:p>
+            <a:pPr lvl="1"/>
+            <a:r>
+              <a:rPr lang="de-DE" sz="1400" dirty="0" smtClean="0"/>
+              <a:t>JavaScript / </a:t>
+            </a:r>
+            <a:r>
+              <a:rPr lang="de-DE" sz="1400" dirty="0" err="1" smtClean="0"/>
+              <a:t>jQuery</a:t>
+            </a:r>
+            <a:endParaRPr lang="de-DE" sz="1400" dirty="0" smtClean="0"/>
+          </a:p>
+          <a:p>
+            <a:r>
+              <a:rPr lang="de-DE" sz="1800" dirty="0" smtClean="0"/>
+              <a:t>Back End</a:t>
+            </a:r>
+          </a:p>
+          <a:p>
+            <a:pPr lvl="1"/>
+            <a:r>
+              <a:rPr lang="de-DE" sz="1400" dirty="0" smtClean="0"/>
+              <a:t>C# / ASP.NET 6.0 Core</a:t>
+            </a:r>
+          </a:p>
+          <a:p>
+            <a:r>
+              <a:rPr lang="de-DE" sz="1800" dirty="0" smtClean="0"/>
+              <a:t>Datenbank</a:t>
+            </a:r>
+          </a:p>
+          <a:p>
+            <a:pPr lvl="1"/>
+            <a:r>
+              <a:rPr lang="de-DE" sz="1400" dirty="0" err="1" smtClean="0"/>
+              <a:t>MySQL</a:t>
+            </a:r>
+            <a:endParaRPr lang="de-DE" sz="1400" dirty="0" smtClean="0"/>
+          </a:p>
+          <a:p>
+            <a:r>
+              <a:rPr lang="de-DE" sz="1800" dirty="0" smtClean="0"/>
+              <a:t>Publisher</a:t>
+            </a:r>
+          </a:p>
+          <a:p>
+            <a:pPr lvl="1"/>
+            <a:r>
+              <a:rPr lang="de-DE" sz="1400" dirty="0" err="1" smtClean="0"/>
+              <a:t>Ionos</a:t>
+            </a:r>
+            <a:endParaRPr lang="de-DE" sz="1400" dirty="0" smtClean="0"/>
+          </a:p>
+          <a:p>
+            <a:r>
+              <a:rPr lang="de-DE" sz="1800" dirty="0" smtClean="0"/>
+              <a:t>Versionsverwaltung</a:t>
+            </a:r>
+          </a:p>
+          <a:p>
+            <a:pPr lvl="1"/>
+            <a:r>
+              <a:rPr lang="de-DE" sz="1400" dirty="0" err="1" smtClean="0"/>
+              <a:t>GitHub</a:t>
+            </a:r>
+            <a:endParaRPr lang="de-DE" sz="1400" dirty="0" smtClean="0"/>
+          </a:p>
+          <a:p>
+            <a:r>
+              <a:rPr lang="de-DE" sz="1800" dirty="0" smtClean="0"/>
+              <a:t>Entwicklungsumgebung</a:t>
+            </a:r>
+          </a:p>
+          <a:p>
+            <a:pPr lvl="1"/>
+            <a:r>
+              <a:rPr lang="de-DE" sz="1400" dirty="0" smtClean="0"/>
+              <a:t>Visual Studio 2022</a:t>
+            </a:r>
+          </a:p>
+        </p:txBody>
+      </p:sp>
+    </p:spTree>
+  </p:cSld>
+  <p:clrMapOvr>
+    <a:masterClrMapping/>
+  </p:clrMapOvr>
+</p:sld>
+</file>
+
+<file path=ppt/slides/slide4.xml><?xml version="1.0" encoding="utf-8"?>
+<p:sld xmlns:a="http://schemas.openxmlformats.org/drawingml/2006/main" xmlns:r="http://schemas.openxmlformats.org/officeDocument/2006/relationships" xmlns:p="http://schemas.openxmlformats.org/presentationml/2006/main">
+  <p:cSld>
+    <p:spTree>
+      <p:nvGrpSpPr>
+        <p:cNvPr id="1" name=""/>
+        <p:cNvGrpSpPr/>
+        <p:nvPr/>
+      </p:nvGrpSpPr>
+      <p:grpSpPr>
+        <a:xfrm>
+          <a:off x="0" y="0"/>
+          <a:ext cx="0" cy="0"/>
+          <a:chOff x="0" y="0"/>
+          <a:chExt cx="0" cy="0"/>
+        </a:xfrm>
+      </p:grpSpPr>
+      <p:sp>
+        <p:nvSpPr>
+          <p:cNvPr id="2" name="Titel 1"/>
+          <p:cNvSpPr>
+            <a:spLocks noGrp="1"/>
+          </p:cNvSpPr>
+          <p:nvPr>
+            <p:ph type="title"/>
+          </p:nvPr>
+        </p:nvSpPr>
+        <p:spPr/>
+        <p:txBody>
+          <a:bodyPr/>
+          <a:lstStyle/>
+          <a:p>
+            <a:r>
+              <a:rPr lang="de-DE" dirty="0" smtClean="0"/>
+              <a:t>Geändertes</a:t>
+            </a:r>
+            <a:endParaRPr lang="de-DE" dirty="0"/>
+          </a:p>
+        </p:txBody>
+      </p:sp>
+      <p:sp>
+        <p:nvSpPr>
+          <p:cNvPr id="3" name="Inhaltsplatzhalter 2"/>
+          <p:cNvSpPr>
+            <a:spLocks noGrp="1"/>
+          </p:cNvSpPr>
+          <p:nvPr>
+            <p:ph idx="1"/>
+          </p:nvPr>
+        </p:nvSpPr>
+        <p:spPr/>
+        <p:txBody>
+          <a:bodyPr>
+            <a:normAutofit/>
+          </a:bodyPr>
+          <a:lstStyle/>
+          <a:p>
+            <a:endParaRPr lang="de-DE" sz="1800" dirty="0" smtClean="0"/>
+          </a:p>
+          <a:p>
+            <a:r>
+              <a:rPr lang="de-DE" sz="1800" dirty="0" smtClean="0">
+                <a:solidFill>
+                  <a:srgbClr val="FF0000"/>
+                </a:solidFill>
+              </a:rPr>
+              <a:t>Kartenlesegerät</a:t>
+            </a:r>
+            <a:endParaRPr lang="de-DE" sz="1800" dirty="0" smtClean="0">
+              <a:solidFill>
+                <a:srgbClr val="FF0000"/>
+              </a:solidFill>
+            </a:endParaRPr>
+          </a:p>
+          <a:p>
+            <a:endParaRPr lang="de-DE" sz="1800" dirty="0" smtClean="0">
+              <a:solidFill>
+                <a:srgbClr val="FF0000"/>
+              </a:solidFill>
+            </a:endParaRPr>
+          </a:p>
+          <a:p>
+            <a:r>
+              <a:rPr lang="de-DE" sz="1800" dirty="0" smtClean="0">
+                <a:solidFill>
+                  <a:srgbClr val="FF0000"/>
+                </a:solidFill>
+              </a:rPr>
+              <a:t>Der Benutzer erhält eine E-Mail bei einem erfolgreich </a:t>
+            </a:r>
+            <a:r>
+              <a:rPr lang="de-DE" sz="1800" dirty="0" smtClean="0">
+                <a:solidFill>
+                  <a:srgbClr val="FF0000"/>
+                </a:solidFill>
+              </a:rPr>
+              <a:t>gebuchten/storniertem Raum</a:t>
+            </a:r>
+          </a:p>
+          <a:p>
+            <a:endParaRPr lang="de-DE" sz="1800" dirty="0" smtClean="0">
+              <a:solidFill>
+                <a:srgbClr val="FF0000"/>
+              </a:solidFill>
+            </a:endParaRPr>
+          </a:p>
+          <a:p>
+            <a:r>
+              <a:rPr lang="de-DE" sz="1800" dirty="0" smtClean="0">
+                <a:solidFill>
+                  <a:srgbClr val="FF0000"/>
+                </a:solidFill>
+              </a:rPr>
+              <a:t>Räume sollen über einen Button favorisiert werden </a:t>
+            </a:r>
+            <a:r>
+              <a:rPr lang="de-DE" sz="1800" dirty="0" smtClean="0">
+                <a:solidFill>
+                  <a:srgbClr val="FF0000"/>
+                </a:solidFill>
+              </a:rPr>
+              <a:t>können</a:t>
+            </a:r>
+          </a:p>
+          <a:p>
+            <a:endParaRPr lang="de-DE" sz="1800" dirty="0" smtClean="0">
+              <a:solidFill>
+                <a:srgbClr val="FF0000"/>
+              </a:solidFill>
+            </a:endParaRPr>
+          </a:p>
+          <a:p>
+            <a:r>
+              <a:rPr lang="de-DE" sz="1800" dirty="0" smtClean="0">
+                <a:solidFill>
+                  <a:srgbClr val="FFC000"/>
+                </a:solidFill>
+              </a:rPr>
+              <a:t>Abänderung der Farben</a:t>
+            </a:r>
+          </a:p>
+          <a:p>
+            <a:endParaRPr lang="de-DE" sz="1800" dirty="0" smtClean="0">
+              <a:solidFill>
+                <a:srgbClr val="FFC000"/>
+              </a:solidFill>
+            </a:endParaRPr>
+          </a:p>
+          <a:p>
+            <a:r>
+              <a:rPr lang="de-DE" sz="1800" dirty="0" smtClean="0">
+                <a:solidFill>
+                  <a:srgbClr val="00B050"/>
+                </a:solidFill>
+              </a:rPr>
+              <a:t>Unterteilung der „</a:t>
+            </a:r>
+            <a:r>
+              <a:rPr lang="de-DE" sz="1800" dirty="0" err="1" smtClean="0">
+                <a:solidFill>
+                  <a:srgbClr val="00B050"/>
+                </a:solidFill>
+              </a:rPr>
+              <a:t>Booked</a:t>
+            </a:r>
+            <a:r>
+              <a:rPr lang="de-DE" sz="1800" dirty="0" smtClean="0">
+                <a:solidFill>
+                  <a:srgbClr val="00B050"/>
+                </a:solidFill>
+              </a:rPr>
+              <a:t>“ Page</a:t>
+            </a:r>
+            <a:endParaRPr lang="de-DE" sz="1800" dirty="0" smtClean="0">
+              <a:solidFill>
+                <a:srgbClr val="00B050"/>
+              </a:solidFill>
+            </a:endParaRPr>
+          </a:p>
+          <a:p>
+            <a:endParaRPr lang="de-DE" sz="1800" dirty="0"/>
+          </a:p>
+        </p:txBody>
+      </p:sp>
+    </p:spTree>
+  </p:cSld>
+  <p:clrMapOvr>
+    <a:masterClrMapping/>
+  </p:clrMapOvr>
+</p:sld>
+</file>
+
+<file path=ppt/slides/slide5.xml><?xml version="1.0" encoding="utf-8"?>
+<p:sld xmlns:a="http://schemas.openxmlformats.org/drawingml/2006/main" xmlns:r="http://schemas.openxmlformats.org/officeDocument/2006/relationships" xmlns:p="http://schemas.openxmlformats.org/presentationml/2006/main">
+  <p:cSld>
+    <p:spTree>
+      <p:nvGrpSpPr>
+        <p:cNvPr id="1" name=""/>
+        <p:cNvGrpSpPr/>
+        <p:nvPr/>
+      </p:nvGrpSpPr>
+      <p:grpSpPr>
+        <a:xfrm>
+          <a:off x="0" y="0"/>
+          <a:ext cx="0" cy="0"/>
+          <a:chOff x="0" y="0"/>
+          <a:chExt cx="0" cy="0"/>
+        </a:xfrm>
+      </p:grpSpPr>
+      <p:sp>
+        <p:nvSpPr>
+          <p:cNvPr id="2" name="Titel 1"/>
+          <p:cNvSpPr>
+            <a:spLocks noGrp="1"/>
+          </p:cNvSpPr>
+          <p:nvPr>
+            <p:ph type="title"/>
+          </p:nvPr>
+        </p:nvSpPr>
+        <p:spPr/>
+        <p:txBody>
+          <a:bodyPr/>
+          <a:lstStyle/>
+          <a:p>
+            <a:r>
+              <a:rPr lang="de-DE" dirty="0" smtClean="0"/>
+              <a:t>Erreichtes</a:t>
+            </a:r>
+            <a:endParaRPr lang="de-DE" dirty="0"/>
+          </a:p>
+        </p:txBody>
+      </p:sp>
+      <p:sp>
+        <p:nvSpPr>
+          <p:cNvPr id="3" name="Inhaltsplatzhalter 2"/>
+          <p:cNvSpPr>
+            <a:spLocks noGrp="1"/>
+          </p:cNvSpPr>
+          <p:nvPr>
+            <p:ph idx="1"/>
+          </p:nvPr>
+        </p:nvSpPr>
+        <p:spPr/>
+        <p:txBody>
+          <a:bodyPr>
+            <a:normAutofit/>
+          </a:bodyPr>
+          <a:lstStyle/>
+          <a:p>
+            <a:r>
+              <a:rPr lang="de-DE" sz="1800" dirty="0" smtClean="0"/>
               <a:t>Webanwendung:</a:t>
             </a:r>
           </a:p>
@@ -3410,12 +3776,21 @@
               <a:rPr lang="de-DE" sz="1400" dirty="0" smtClean="0"/>
               <a:t>Registrierungsformular.</a:t>
             </a:r>
+            <a:endParaRPr lang="de-DE" sz="1400" dirty="0" smtClean="0"/>
           </a:p>
           <a:p>
             <a:pPr lvl="1"/>
             <a:r>
               <a:rPr lang="de-DE" sz="1400" dirty="0" smtClean="0"/>
-              <a:t>Übersicht mit allen verfügbaren Räumen.</a:t>
+              <a:t>Übersicht mit </a:t>
+            </a:r>
+            <a:r>
+              <a:rPr lang="de-DE" sz="1400" dirty="0" smtClean="0"/>
+              <a:t>allen Räumen</a:t>
+            </a:r>
+            <a:r>
+              <a:rPr lang="de-DE" sz="1400" dirty="0" smtClean="0"/>
+              <a:t>.</a:t>
             </a:r>
           </a:p>
           <a:p>
@@ -3428,9 +3803,42 @@
           <a:p>
             <a:pPr lvl="1"/>
             <a:r>
-              <a:rPr lang="de-DE" sz="1400" dirty="0" smtClean="0"/>
-              <a:t>Professoren: rot, Tutoren: gelb, Studenten: grün.</a:t>
-            </a:r>
+              <a:rPr lang="de-DE" sz="1400" dirty="0" smtClean="0">
+                <a:solidFill>
+                  <a:srgbClr val="FFC000"/>
+                </a:solidFill>
+              </a:rPr>
+              <a:t>Professoren: rot, Tutoren: gelb, Studenten: </a:t>
+            </a:r>
+            <a:r>
+              <a:rPr lang="de-DE" sz="1400" dirty="0" smtClean="0">
+                <a:solidFill>
+                  <a:srgbClr val="FFC000"/>
+                </a:solidFill>
+              </a:rPr>
+              <a:t>grün, freie Blöcke </a:t>
+            </a:r>
+            <a:r>
+              <a:rPr lang="de-DE" sz="1400" dirty="0" smtClean="0">
+                <a:solidFill>
+                  <a:srgbClr val="FFC000"/>
+                </a:solidFill>
+              </a:rPr>
+              <a:t>blau</a:t>
+            </a:r>
+            <a:r>
+              <a:rPr lang="de-DE" sz="1400" dirty="0" smtClean="0">
+                <a:solidFill>
+                  <a:srgbClr val="FFC000"/>
+                </a:solidFill>
+              </a:rPr>
+              <a:t>.</a:t>
+            </a:r>
+            <a:endParaRPr lang="de-DE" sz="1400" dirty="0" smtClean="0">
+              <a:solidFill>
+                <a:srgbClr val="FFC000"/>
+              </a:solidFill>
+            </a:endParaRPr>
           </a:p>
           <a:p>
             <a:pPr lvl="1"/>
@@ -3440,15 +3848,7 @@
             </a:r>
             <a:r>
               <a:rPr lang="de-DE" sz="1400" dirty="0" smtClean="0"/>
-              <a:t>: </a:t>
-            </a:r>
-            <a:r>
-              <a:rPr lang="de-DE" sz="1400" dirty="0" smtClean="0"/>
-              <a:t>Professoren &gt; Tutoren &gt; </a:t>
-            </a:r>
-            <a:r>
-              <a:rPr lang="de-DE" sz="1400" dirty="0" smtClean="0"/>
-              <a:t>Studenten.</a:t>
+              <a:t>: Professoren &gt; Tutoren &gt; Studenten.</a:t>
             </a:r>
           </a:p>
           <a:p>
@@ -3468,41 +3868,493 @@
           <a:p>
             <a:pPr lvl="1"/>
             <a:r>
+              <a:rPr lang="de-DE" sz="1400" dirty="0" smtClean="0">
+                <a:solidFill>
+                  <a:srgbClr val="00B050"/>
+                </a:solidFill>
+              </a:rPr>
+              <a:t>Einsicht und Verwaltung der eigenen gebuchten Räume unter der Seite </a:t>
+            </a:r>
+            <a:r>
+              <a:rPr lang="de-DE" sz="1400" dirty="0" smtClean="0">
+                <a:solidFill>
+                  <a:srgbClr val="00B050"/>
+                </a:solidFill>
+              </a:rPr>
+              <a:t>„</a:t>
+            </a:r>
+            <a:r>
+              <a:rPr lang="de-DE" sz="1400" dirty="0" err="1" smtClean="0">
+                <a:solidFill>
+                  <a:srgbClr val="00B050"/>
+                </a:solidFill>
+              </a:rPr>
+              <a:t>Booked</a:t>
+            </a:r>
+            <a:r>
+              <a:rPr lang="de-DE" sz="1400" dirty="0" smtClean="0">
+                <a:solidFill>
+                  <a:srgbClr val="00B050"/>
+                </a:solidFill>
+              </a:rPr>
+              <a:t>“</a:t>
+            </a:r>
+            <a:endParaRPr lang="de-DE" sz="1400" dirty="0" smtClean="0">
+              <a:solidFill>
+                <a:srgbClr val="00B050"/>
+              </a:solidFill>
+            </a:endParaRPr>
+          </a:p>
+          <a:p>
+            <a:pPr lvl="1"/>
+            <a:r>
+              <a:rPr lang="de-DE" sz="1400" dirty="0" smtClean="0">
+                <a:solidFill>
+                  <a:srgbClr val="00B050"/>
+                </a:solidFill>
+              </a:rPr>
+              <a:t>Gebuchte </a:t>
+            </a:r>
+            <a:r>
+              <a:rPr lang="de-DE" sz="1400" dirty="0" smtClean="0">
+                <a:solidFill>
+                  <a:srgbClr val="00B050"/>
+                </a:solidFill>
+              </a:rPr>
+              <a:t>Räume, </a:t>
+            </a:r>
+            <a:r>
+              <a:rPr lang="de-DE" sz="1400" dirty="0" smtClean="0">
+                <a:solidFill>
+                  <a:srgbClr val="00B050"/>
+                </a:solidFill>
+              </a:rPr>
+              <a:t>welche in der Vergangenheit liegen, können unter der Seite „</a:t>
+            </a:r>
+            <a:r>
+              <a:rPr lang="de-DE" sz="1400" dirty="0" err="1" smtClean="0">
+                <a:solidFill>
+                  <a:srgbClr val="00B050"/>
+                </a:solidFill>
+              </a:rPr>
+              <a:t>History</a:t>
+            </a:r>
+            <a:r>
+              <a:rPr lang="de-DE" sz="1400" dirty="0" smtClean="0">
+                <a:solidFill>
+                  <a:srgbClr val="00B050"/>
+                </a:solidFill>
+              </a:rPr>
+              <a:t>“ eingesehen werden. </a:t>
+            </a:r>
+          </a:p>
+          <a:p>
+            <a:pPr lvl="1"/>
+            <a:r>
               <a:rPr lang="de-DE" sz="1400" dirty="0" smtClean="0"/>
-              <a:t>Einsicht und Verwaltung der eigenen gebuchten Räume unter der Seite „</a:t>
-            </a:r>
-            <a:r>
-              <a:rPr lang="de-DE" sz="1400" dirty="0" err="1" smtClean="0"/>
-              <a:t>Booked</a:t>
+              <a:t>Der Benutzer kann sich jederzeit selbst vom System im Browser abmelden oder wird durch einen </a:t>
             </a:r>
             <a:r>
               <a:rPr lang="de-DE" sz="1400" dirty="0" smtClean="0"/>
-              <a:t>“</a:t>
-            </a:r>
-          </a:p>
-          <a:p>
-            <a:pPr lvl="1"/>
+              <a:t>Timeout </a:t>
+            </a:r>
             <a:r>
               <a:rPr lang="de-DE" sz="1400" dirty="0" smtClean="0"/>
-              <a:t>Gebuchte Räume welche in der Vergangenheit liegen, können unter der Seite „</a:t>
-            </a:r>
-            <a:r>
-              <a:rPr lang="de-DE" sz="1400" dirty="0" err="1" smtClean="0"/>
-              <a:t>History</a:t>
-            </a:r>
+              <a:t>automatisch abgemeldet. </a:t>
+            </a:r>
+            <a:endParaRPr lang="de-DE" sz="1400" dirty="0" smtClean="0"/>
+          </a:p>
+          <a:p>
+            <a:pPr>
+              <a:buNone/>
+            </a:pPr>
+            <a:endParaRPr lang="de-DE" sz="1800" dirty="0"/>
+          </a:p>
+        </p:txBody>
+      </p:sp>
+    </p:spTree>
+  </p:cSld>
+  <p:clrMapOvr>
+    <a:masterClrMapping/>
+  </p:clrMapOvr>
+</p:sld>
+</file>
+
+<file path=ppt/slides/slide6.xml><?xml version="1.0" encoding="utf-8"?>
+<p:sld xmlns:a="http://schemas.openxmlformats.org/drawingml/2006/main" xmlns:r="http://schemas.openxmlformats.org/officeDocument/2006/relationships" xmlns:p="http://schemas.openxmlformats.org/presentationml/2006/main">
+  <p:cSld>
+    <p:spTree>
+      <p:nvGrpSpPr>
+        <p:cNvPr id="1" name=""/>
+        <p:cNvGrpSpPr/>
+        <p:nvPr/>
+      </p:nvGrpSpPr>
+      <p:grpSpPr>
+        <a:xfrm>
+          <a:off x="0" y="0"/>
+          <a:ext cx="0" cy="0"/>
+          <a:chOff x="0" y="0"/>
+          <a:chExt cx="0" cy="0"/>
+        </a:xfrm>
+      </p:grpSpPr>
+      <p:sp>
+        <p:nvSpPr>
+          <p:cNvPr id="2" name="Titel 1"/>
+          <p:cNvSpPr>
+            <a:spLocks noGrp="1"/>
+          </p:cNvSpPr>
+          <p:nvPr>
+            <p:ph type="title"/>
+          </p:nvPr>
+        </p:nvSpPr>
+        <p:spPr/>
+        <p:txBody>
+          <a:bodyPr/>
+          <a:lstStyle/>
+          <a:p>
+            <a:r>
+              <a:rPr lang="de-DE" dirty="0" smtClean="0"/>
+              <a:t>Selbstreflexion</a:t>
+            </a:r>
+            <a:endParaRPr lang="de-DE" dirty="0"/>
+          </a:p>
+        </p:txBody>
+      </p:sp>
+      <p:sp>
+        <p:nvSpPr>
+          <p:cNvPr id="3" name="Inhaltsplatzhalter 2"/>
+          <p:cNvSpPr>
+            <a:spLocks noGrp="1"/>
+          </p:cNvSpPr>
+          <p:nvPr>
+            <p:ph idx="1"/>
+          </p:nvPr>
+        </p:nvSpPr>
+        <p:spPr/>
+        <p:txBody>
+          <a:bodyPr>
+            <a:normAutofit/>
+          </a:bodyPr>
+          <a:lstStyle/>
+          <a:p>
+            <a:r>
+              <a:rPr lang="de-DE" sz="1800" dirty="0" smtClean="0"/>
+              <a:t>Planungsfehler</a:t>
+            </a:r>
+          </a:p>
+          <a:p>
+            <a:pPr lvl="1"/>
             <a:r>
               <a:rPr lang="de-DE" sz="1400" dirty="0" smtClean="0"/>
-              <a:t>“ eingesehen werden. </a:t>
-            </a:r>
+              <a:t>Keine festgelegte Technologie</a:t>
+            </a:r>
+          </a:p>
+          <a:p>
+            <a:pPr lvl="1"/>
+            <a:r>
+              <a:rPr lang="de-DE" sz="1400" dirty="0" smtClean="0"/>
+              <a:t>Ungenaue Zeitpläne</a:t>
+            </a:r>
+          </a:p>
+          <a:p>
+            <a:pPr lvl="1"/>
+            <a:r>
+              <a:rPr lang="de-DE" sz="1400" dirty="0" smtClean="0"/>
+              <a:t>Ungenaue Unterteilung des Projekts</a:t>
+            </a:r>
+          </a:p>
+          <a:p>
+            <a:pPr lvl="1"/>
+            <a:r>
+              <a:rPr lang="de-DE" sz="1400" dirty="0" smtClean="0"/>
+              <a:t>Zu späte Spezifizierung</a:t>
+            </a:r>
+          </a:p>
+          <a:p>
+            <a:pPr lvl="1"/>
             <a:endParaRPr lang="de-DE" sz="1400" dirty="0" smtClean="0"/>
           </a:p>
           <a:p>
-            <a:pPr lvl="1"/>
-            <a:r>
-              <a:rPr lang="de-DE" sz="1400" smtClean="0"/>
-              <a:t>Der Benutzer kann sich jederzeit selbst vom System im Browser abmelden oder wird durch einen Timeout automatisch abgemeldet. </a:t>
-            </a:r>
-            <a:endParaRPr lang="de-DE" sz="1400" dirty="0"/>
+            <a:endParaRPr lang="de-DE" sz="1800" dirty="0" smtClean="0"/>
+          </a:p>
+          <a:p>
+            <a:r>
+              <a:rPr lang="de-DE" sz="1800" dirty="0" smtClean="0"/>
+              <a:t>Implementierungsfehler</a:t>
+            </a:r>
+          </a:p>
+          <a:p>
+            <a:pPr lvl="1"/>
+            <a:r>
+              <a:rPr lang="de-DE" sz="1400" dirty="0" smtClean="0"/>
+              <a:t>Keine automatisierten Tests</a:t>
+            </a:r>
+          </a:p>
+          <a:p>
+            <a:pPr lvl="1"/>
+            <a:r>
+              <a:rPr lang="de-DE" sz="1400" dirty="0" smtClean="0"/>
+              <a:t>Datenbankmigration Bugs</a:t>
+            </a:r>
+          </a:p>
+          <a:p>
+            <a:pPr lvl="1"/>
+            <a:r>
+              <a:rPr lang="de-DE" sz="1400" dirty="0" smtClean="0"/>
+              <a:t>Keine Einhaltung des Zeitmanagement</a:t>
+            </a:r>
+            <a:endParaRPr lang="de-DE" sz="1800" dirty="0" smtClean="0"/>
+          </a:p>
+        </p:txBody>
+      </p:sp>
+    </p:spTree>
+  </p:cSld>
+  <p:clrMapOvr>
+    <a:masterClrMapping/>
+  </p:clrMapOvr>
+</p:sld>
+</file>
+
+<file path=ppt/slides/slide7.xml><?xml version="1.0" encoding="utf-8"?>
+<p:sld xmlns:a="http://schemas.openxmlformats.org/drawingml/2006/main" xmlns:r="http://schemas.openxmlformats.org/officeDocument/2006/relationships" xmlns:p="http://schemas.openxmlformats.org/presentationml/2006/main">
+  <p:cSld>
+    <p:spTree>
+      <p:nvGrpSpPr>
+        <p:cNvPr id="1" name=""/>
+        <p:cNvGrpSpPr/>
+        <p:nvPr/>
+      </p:nvGrpSpPr>
+      <p:grpSpPr>
+        <a:xfrm>
+          <a:off x="0" y="0"/>
+          <a:ext cx="0" cy="0"/>
+          <a:chOff x="0" y="0"/>
+          <a:chExt cx="0" cy="0"/>
+        </a:xfrm>
+      </p:grpSpPr>
+      <p:sp>
+        <p:nvSpPr>
+          <p:cNvPr id="2" name="Titel 1"/>
+          <p:cNvSpPr>
+            <a:spLocks noGrp="1"/>
+          </p:cNvSpPr>
+          <p:nvPr>
+            <p:ph type="title"/>
+          </p:nvPr>
+        </p:nvSpPr>
+        <p:spPr/>
+        <p:txBody>
+          <a:bodyPr/>
+          <a:lstStyle/>
+          <a:p>
+            <a:r>
+              <a:rPr lang="de-DE" dirty="0" smtClean="0"/>
+              <a:t>Empfehlungen für Projekt 2</a:t>
+            </a:r>
+            <a:endParaRPr lang="de-DE" dirty="0"/>
+          </a:p>
+        </p:txBody>
+      </p:sp>
+      <p:sp>
+        <p:nvSpPr>
+          <p:cNvPr id="3" name="Inhaltsplatzhalter 2"/>
+          <p:cNvSpPr>
+            <a:spLocks noGrp="1"/>
+          </p:cNvSpPr>
+          <p:nvPr>
+            <p:ph idx="1"/>
+          </p:nvPr>
+        </p:nvSpPr>
+        <p:spPr/>
+        <p:txBody>
+          <a:bodyPr>
+            <a:normAutofit/>
+          </a:bodyPr>
+          <a:lstStyle/>
+          <a:p>
+            <a:endParaRPr lang="de-DE" sz="1800" dirty="0" smtClean="0"/>
+          </a:p>
+          <a:p>
+            <a:r>
+              <a:rPr lang="de-DE" sz="1800" dirty="0" smtClean="0"/>
+              <a:t>Mehr Planung</a:t>
+            </a:r>
+          </a:p>
+          <a:p>
+            <a:endParaRPr lang="de-DE" sz="1800" dirty="0" smtClean="0"/>
+          </a:p>
+          <a:p>
+            <a:r>
+              <a:rPr lang="de-DE" sz="1800" dirty="0" smtClean="0"/>
+              <a:t>Genauere Spezifikation</a:t>
+            </a:r>
+          </a:p>
+          <a:p>
+            <a:endParaRPr lang="de-DE" sz="1800" dirty="0" smtClean="0"/>
+          </a:p>
+          <a:p>
+            <a:r>
+              <a:rPr lang="de-DE" sz="1800" dirty="0" smtClean="0"/>
+              <a:t>Frühere Festlegung auf Technologien</a:t>
+            </a:r>
+            <a:endParaRPr lang="de-DE" sz="1800" dirty="0"/>
+          </a:p>
+        </p:txBody>
+      </p:sp>
+    </p:spTree>
+  </p:cSld>
+  <p:clrMapOvr>
+    <a:masterClrMapping/>
+  </p:clrMapOvr>
+</p:sld>
+</file>
+
+<file path=ppt/slides/slide8.xml><?xml version="1.0" encoding="utf-8"?>
+<p:sld xmlns:a="http://schemas.openxmlformats.org/drawingml/2006/main" xmlns:r="http://schemas.openxmlformats.org/officeDocument/2006/relationships" xmlns:p="http://schemas.openxmlformats.org/presentationml/2006/main">
+  <p:cSld>
+    <p:spTree>
+      <p:nvGrpSpPr>
+        <p:cNvPr id="1" name=""/>
+        <p:cNvGrpSpPr/>
+        <p:nvPr/>
+      </p:nvGrpSpPr>
+      <p:grpSpPr>
+        <a:xfrm>
+          <a:off x="0" y="0"/>
+          <a:ext cx="0" cy="0"/>
+          <a:chOff x="0" y="0"/>
+          <a:chExt cx="0" cy="0"/>
+        </a:xfrm>
+      </p:grpSpPr>
+      <p:sp>
+        <p:nvSpPr>
+          <p:cNvPr id="2" name="Titel 1"/>
+          <p:cNvSpPr>
+            <a:spLocks noGrp="1"/>
+          </p:cNvSpPr>
+          <p:nvPr>
+            <p:ph type="title"/>
+          </p:nvPr>
+        </p:nvSpPr>
+        <p:spPr/>
+        <p:txBody>
+          <a:bodyPr/>
+          <a:lstStyle/>
+          <a:p>
+            <a:r>
+              <a:rPr lang="de-DE" dirty="0" smtClean="0"/>
+              <a:t>Testen</a:t>
+            </a:r>
+            <a:endParaRPr lang="de-DE" dirty="0"/>
+          </a:p>
+        </p:txBody>
+      </p:sp>
+      <p:sp>
+        <p:nvSpPr>
+          <p:cNvPr id="3" name="Inhaltsplatzhalter 2"/>
+          <p:cNvSpPr>
+            <a:spLocks noGrp="1"/>
+          </p:cNvSpPr>
+          <p:nvPr>
+            <p:ph idx="1"/>
+          </p:nvPr>
+        </p:nvSpPr>
+        <p:spPr/>
+        <p:txBody>
+          <a:bodyPr>
+            <a:normAutofit fontScale="85000" lnSpcReduction="20000"/>
+          </a:bodyPr>
+          <a:lstStyle/>
+          <a:p>
+            <a:r>
+              <a:rPr lang="de-DE" dirty="0" smtClean="0"/>
+              <a:t>User Registrierung: </a:t>
+            </a:r>
+          </a:p>
+          <a:p>
+            <a:pPr lvl="1"/>
+            <a:r>
+              <a:rPr lang="de-DE" dirty="0" smtClean="0"/>
+              <a:t>Privatmail/Hochschulmail</a:t>
+            </a:r>
+          </a:p>
+          <a:p>
+            <a:pPr lvl="1"/>
+            <a:r>
+              <a:rPr lang="de-DE" dirty="0" smtClean="0"/>
+              <a:t>PW </a:t>
+            </a:r>
+            <a:r>
+              <a:rPr lang="de-DE" dirty="0" err="1" smtClean="0"/>
+              <a:t>bsp</a:t>
+            </a:r>
+            <a:r>
+              <a:rPr lang="de-DE" dirty="0" smtClean="0"/>
+              <a:t>.: Test123.</a:t>
+            </a:r>
+          </a:p>
+          <a:p>
+            <a:r>
+              <a:rPr lang="de-DE" dirty="0" smtClean="0"/>
+              <a:t>Tutor:</a:t>
+            </a:r>
+          </a:p>
+          <a:p>
+            <a:pPr lvl="1"/>
+            <a:r>
+              <a:rPr lang="de-DE" dirty="0" smtClean="0"/>
+              <a:t>TutorX@proOne.de </a:t>
+            </a:r>
+          </a:p>
+          <a:p>
+            <a:pPr lvl="1"/>
+            <a:r>
+              <a:rPr lang="de-DE" dirty="0" smtClean="0"/>
+              <a:t>PW: TutorX@proOne.de</a:t>
+            </a:r>
+          </a:p>
+          <a:p>
+            <a:pPr lvl="1"/>
+            <a:r>
+              <a:rPr lang="de-DE" dirty="0" smtClean="0"/>
+              <a:t>X = {1-20}</a:t>
+            </a:r>
+          </a:p>
+          <a:p>
+            <a:r>
+              <a:rPr lang="de-DE" dirty="0" smtClean="0"/>
+              <a:t>Prof:</a:t>
+            </a:r>
+          </a:p>
+          <a:p>
+            <a:pPr lvl="1"/>
+            <a:r>
+              <a:rPr lang="de-DE" dirty="0" smtClean="0"/>
+              <a:t>ProfY@proOne.de</a:t>
+            </a:r>
+          </a:p>
+          <a:p>
+            <a:pPr lvl="1"/>
+            <a:r>
+              <a:rPr lang="de-DE" dirty="0" smtClean="0"/>
+              <a:t>PW: ProfY@proOne.de</a:t>
+            </a:r>
+          </a:p>
+          <a:p>
+            <a:pPr lvl="1"/>
+            <a:r>
+              <a:rPr lang="de-DE" dirty="0" smtClean="0"/>
+              <a:t>Y = {1-10}</a:t>
+            </a:r>
+            <a:endParaRPr lang="de-DE" dirty="0" smtClean="0"/>
+          </a:p>
+          <a:p>
+            <a:pPr lvl="1"/>
+            <a:endParaRPr lang="de-DE" dirty="0" smtClean="0"/>
+          </a:p>
+          <a:p>
+            <a:pPr lvl="1"/>
+            <a:endParaRPr lang="de-DE" dirty="0" smtClean="0"/>
           </a:p>
         </p:txBody>
       </p:sp>

--- a/doc/Verwaltung_Von_Seminarräumen/PP_Verwaltung_von_Seminarräumen.pptx
+++ b/doc/Verwaltung_Von_Seminarräumen/PP_Verwaltung_von_Seminarräumen.pptx
@@ -111,7 +111,60 @@
       </a:defRPr>
     </a:lvl9pPr>
   </p:defaultTextStyle>
+  <p:extLst>
+    <p:ext uri="{EFAFB233-063F-42B5-8137-9DF3F51BA10A}">
+      <p15:sldGuideLst xmlns:p15="http://schemas.microsoft.com/office/powerpoint/2012/main">
+        <p15:guide id="1" orient="horz" pos="2160">
+          <p15:clr>
+            <a:srgbClr val="A4A3A4"/>
+          </p15:clr>
+        </p15:guide>
+        <p15:guide id="2" pos="2880">
+          <p15:clr>
+            <a:srgbClr val="A4A3A4"/>
+          </p15:clr>
+        </p15:guide>
+      </p15:sldGuideLst>
+    </p:ext>
+  </p:extLst>
 </p:presentation>
+</file>
+
+<file path=ppt/revisionInfo.xml><?xml version="1.0" encoding="utf-8"?>
+<p1510:revInfo xmlns:a="http://schemas.openxmlformats.org/drawingml/2006/main" xmlns:r="http://schemas.openxmlformats.org/officeDocument/2006/relationships" xmlns:p1510="http://schemas.microsoft.com/office/powerpoint/2015/10/main">
+  <p1510:revLst>
+    <p1510:client id="{A119E750-80AC-426E-AB9D-0BB0F2889522}" v="5" dt="2022-06-28T06:32:47.036"/>
+  </p1510:revLst>
+</p1510:revInfo>
+</file>
+
+<file path=ppt/changesInfos/changesInfo1.xml><?xml version="1.0" encoding="utf-8"?>
+<pc:chgInfo xmlns:a="http://schemas.openxmlformats.org/drawingml/2006/main" xmlns:r="http://schemas.openxmlformats.org/officeDocument/2006/relationships" xmlns:ac="http://schemas.microsoft.com/office/drawing/2013/main/command" xmlns:pc="http://schemas.microsoft.com/office/powerpoint/2013/main/command">
+  <pc:docChgLst>
+    <pc:chgData name="Nicklas Schwende" userId="39d2526b31034382" providerId="Windows Live" clId="Web-{A119E750-80AC-426E-AB9D-0BB0F2889522}"/>
+    <pc:docChg chg="modSld">
+      <pc:chgData name="Nicklas Schwende" userId="39d2526b31034382" providerId="Windows Live" clId="Web-{A119E750-80AC-426E-AB9D-0BB0F2889522}" dt="2022-06-28T06:32:47.036" v="6" actId="20577"/>
+      <pc:docMkLst>
+        <pc:docMk/>
+      </pc:docMkLst>
+      <pc:sldChg chg="modSp">
+        <pc:chgData name="Nicklas Schwende" userId="39d2526b31034382" providerId="Windows Live" clId="Web-{A119E750-80AC-426E-AB9D-0BB0F2889522}" dt="2022-06-28T06:32:47.036" v="6" actId="20577"/>
+        <pc:sldMkLst>
+          <pc:docMk/>
+          <pc:sldMk cId="0" sldId="263"/>
+        </pc:sldMkLst>
+        <pc:spChg chg="mod">
+          <ac:chgData name="Nicklas Schwende" userId="39d2526b31034382" providerId="Windows Live" clId="Web-{A119E750-80AC-426E-AB9D-0BB0F2889522}" dt="2022-06-28T06:32:47.036" v="6" actId="20577"/>
+          <ac:spMkLst>
+            <pc:docMk/>
+            <pc:sldMk cId="0" sldId="263"/>
+            <ac:spMk id="3" creationId="{00000000-0000-0000-0000-000000000000}"/>
+          </ac:spMkLst>
+        </pc:spChg>
+      </pc:sldChg>
+    </pc:docChg>
+  </pc:docChgLst>
+</pc:chgInfo>
 </file>
 
 <file path=ppt/slideLayouts/slideLayout1.xml><?xml version="1.0" encoding="utf-8"?>
@@ -152,10 +205,9 @@
           <a:lstStyle/>
           <a:p>
             <a:r>
-              <a:rPr lang="de-DE" smtClean="0"/>
+              <a:rPr lang="de-DE"/>
               <a:t>Titelmasterformat durch Klicken bearbeiten</a:t>
             </a:r>
-            <a:endParaRPr lang="de-DE"/>
           </a:p>
         </p:txBody>
       </p:sp>
@@ -271,10 +323,9 @@
           </a:lstStyle>
           <a:p>
             <a:r>
-              <a:rPr lang="de-DE" smtClean="0"/>
+              <a:rPr lang="de-DE"/>
               <a:t>Formatvorlage des Untertitelmasters durch Klicken bearbeiten</a:t>
             </a:r>
-            <a:endParaRPr lang="de-DE"/>
           </a:p>
         </p:txBody>
       </p:sp>
@@ -386,10 +437,9 @@
           <a:lstStyle/>
           <a:p>
             <a:r>
-              <a:rPr lang="de-DE" smtClean="0"/>
+              <a:rPr lang="de-DE"/>
               <a:t>Titelmasterformat durch Klicken bearbeiten</a:t>
             </a:r>
-            <a:endParaRPr lang="de-DE"/>
           </a:p>
         </p:txBody>
       </p:sp>
@@ -410,38 +460,37 @@
           <a:p>
             <a:pPr lvl="0"/>
             <a:r>
-              <a:rPr lang="de-DE" smtClean="0"/>
+              <a:rPr lang="de-DE"/>
               <a:t>Textmasterformate durch Klicken bearbeiten</a:t>
             </a:r>
           </a:p>
           <a:p>
             <a:pPr lvl="1"/>
             <a:r>
-              <a:rPr lang="de-DE" smtClean="0"/>
+              <a:rPr lang="de-DE"/>
               <a:t>Zweite Ebene</a:t>
             </a:r>
           </a:p>
           <a:p>
             <a:pPr lvl="2"/>
             <a:r>
-              <a:rPr lang="de-DE" smtClean="0"/>
+              <a:rPr lang="de-DE"/>
               <a:t>Dritte Ebene</a:t>
             </a:r>
           </a:p>
           <a:p>
             <a:pPr lvl="3"/>
             <a:r>
-              <a:rPr lang="de-DE" smtClean="0"/>
+              <a:rPr lang="de-DE"/>
               <a:t>Vierte Ebene</a:t>
             </a:r>
           </a:p>
           <a:p>
             <a:pPr lvl="4"/>
             <a:r>
-              <a:rPr lang="de-DE" smtClean="0"/>
+              <a:rPr lang="de-DE"/>
               <a:t>Fünfte Ebene</a:t>
             </a:r>
-            <a:endParaRPr lang="de-DE"/>
           </a:p>
         </p:txBody>
       </p:sp>
@@ -558,10 +607,9 @@
           <a:lstStyle/>
           <a:p>
             <a:r>
-              <a:rPr lang="de-DE" smtClean="0"/>
+              <a:rPr lang="de-DE"/>
               <a:t>Titel durch Klicken hinzufügen</a:t>
             </a:r>
-            <a:endParaRPr lang="de-DE"/>
           </a:p>
         </p:txBody>
       </p:sp>
@@ -587,38 +635,37 @@
           <a:p>
             <a:pPr lvl="0"/>
             <a:r>
-              <a:rPr lang="de-DE" smtClean="0"/>
+              <a:rPr lang="de-DE"/>
               <a:t>Textmasterformate durch Klicken bearbeiten</a:t>
             </a:r>
           </a:p>
           <a:p>
             <a:pPr lvl="1"/>
             <a:r>
-              <a:rPr lang="de-DE" smtClean="0"/>
+              <a:rPr lang="de-DE"/>
               <a:t>Zweite Ebene</a:t>
             </a:r>
           </a:p>
           <a:p>
             <a:pPr lvl="2"/>
             <a:r>
-              <a:rPr lang="de-DE" smtClean="0"/>
+              <a:rPr lang="de-DE"/>
               <a:t>Dritte Ebene</a:t>
             </a:r>
           </a:p>
           <a:p>
             <a:pPr lvl="3"/>
             <a:r>
-              <a:rPr lang="de-DE" smtClean="0"/>
+              <a:rPr lang="de-DE"/>
               <a:t>Vierte Ebene</a:t>
             </a:r>
           </a:p>
           <a:p>
             <a:pPr lvl="4"/>
             <a:r>
-              <a:rPr lang="de-DE" smtClean="0"/>
+              <a:rPr lang="de-DE"/>
               <a:t>Fünfte Ebene</a:t>
             </a:r>
-            <a:endParaRPr lang="de-DE"/>
           </a:p>
         </p:txBody>
       </p:sp>
@@ -730,10 +777,9 @@
           <a:lstStyle/>
           <a:p>
             <a:r>
-              <a:rPr lang="de-DE" smtClean="0"/>
+              <a:rPr lang="de-DE"/>
               <a:t>Titelmasterformat durch Klicken bearbeiten</a:t>
             </a:r>
-            <a:endParaRPr lang="de-DE"/>
           </a:p>
         </p:txBody>
       </p:sp>
@@ -754,38 +800,37 @@
           <a:p>
             <a:pPr lvl="0"/>
             <a:r>
-              <a:rPr lang="de-DE" smtClean="0"/>
+              <a:rPr lang="de-DE"/>
               <a:t>Textmasterformate durch Klicken bearbeiten</a:t>
             </a:r>
           </a:p>
           <a:p>
             <a:pPr lvl="1"/>
             <a:r>
-              <a:rPr lang="de-DE" smtClean="0"/>
+              <a:rPr lang="de-DE"/>
               <a:t>Zweite Ebene</a:t>
             </a:r>
           </a:p>
           <a:p>
             <a:pPr lvl="2"/>
             <a:r>
-              <a:rPr lang="de-DE" smtClean="0"/>
+              <a:rPr lang="de-DE"/>
               <a:t>Dritte Ebene</a:t>
             </a:r>
           </a:p>
           <a:p>
             <a:pPr lvl="3"/>
             <a:r>
-              <a:rPr lang="de-DE" smtClean="0"/>
+              <a:rPr lang="de-DE"/>
               <a:t>Vierte Ebene</a:t>
             </a:r>
           </a:p>
           <a:p>
             <a:pPr lvl="4"/>
             <a:r>
-              <a:rPr lang="de-DE" smtClean="0"/>
+              <a:rPr lang="de-DE"/>
               <a:t>Fünfte Ebene</a:t>
             </a:r>
-            <a:endParaRPr lang="de-DE"/>
           </a:p>
         </p:txBody>
       </p:sp>
@@ -906,10 +951,9 @@
           </a:lstStyle>
           <a:p>
             <a:r>
-              <a:rPr lang="de-DE" smtClean="0"/>
+              <a:rPr lang="de-DE"/>
               <a:t>Titelmasterformat durch Klicken bearbeiten</a:t>
             </a:r>
-            <a:endParaRPr lang="de-DE"/>
           </a:p>
         </p:txBody>
       </p:sp>
@@ -1026,7 +1070,7 @@
           <a:p>
             <a:pPr lvl="0"/>
             <a:r>
-              <a:rPr lang="de-DE" smtClean="0"/>
+              <a:rPr lang="de-DE"/>
               <a:t>Textmasterformate durch Klicken bearbeiten</a:t>
             </a:r>
           </a:p>
@@ -1140,10 +1184,9 @@
           <a:lstStyle/>
           <a:p>
             <a:r>
-              <a:rPr lang="de-DE" smtClean="0"/>
+              <a:rPr lang="de-DE"/>
               <a:t>Titelmasterformat durch Klicken bearbeiten</a:t>
             </a:r>
-            <a:endParaRPr lang="de-DE"/>
           </a:p>
         </p:txBody>
       </p:sp>
@@ -1197,38 +1240,37 @@
           <a:p>
             <a:pPr lvl="0"/>
             <a:r>
-              <a:rPr lang="de-DE" smtClean="0"/>
+              <a:rPr lang="de-DE"/>
               <a:t>Textmasterformate durch Klicken bearbeiten</a:t>
             </a:r>
           </a:p>
           <a:p>
             <a:pPr lvl="1"/>
             <a:r>
-              <a:rPr lang="de-DE" smtClean="0"/>
+              <a:rPr lang="de-DE"/>
               <a:t>Zweite Ebene</a:t>
             </a:r>
           </a:p>
           <a:p>
             <a:pPr lvl="2"/>
             <a:r>
-              <a:rPr lang="de-DE" smtClean="0"/>
+              <a:rPr lang="de-DE"/>
               <a:t>Dritte Ebene</a:t>
             </a:r>
           </a:p>
           <a:p>
             <a:pPr lvl="3"/>
             <a:r>
-              <a:rPr lang="de-DE" smtClean="0"/>
+              <a:rPr lang="de-DE"/>
               <a:t>Vierte Ebene</a:t>
             </a:r>
           </a:p>
           <a:p>
             <a:pPr lvl="4"/>
             <a:r>
-              <a:rPr lang="de-DE" smtClean="0"/>
+              <a:rPr lang="de-DE"/>
               <a:t>Fünfte Ebene</a:t>
             </a:r>
-            <a:endParaRPr lang="de-DE"/>
           </a:p>
         </p:txBody>
       </p:sp>
@@ -1282,38 +1324,37 @@
           <a:p>
             <a:pPr lvl="0"/>
             <a:r>
-              <a:rPr lang="de-DE" smtClean="0"/>
+              <a:rPr lang="de-DE"/>
               <a:t>Textmasterformate durch Klicken bearbeiten</a:t>
             </a:r>
           </a:p>
           <a:p>
             <a:pPr lvl="1"/>
             <a:r>
-              <a:rPr lang="de-DE" smtClean="0"/>
+              <a:rPr lang="de-DE"/>
               <a:t>Zweite Ebene</a:t>
             </a:r>
           </a:p>
           <a:p>
             <a:pPr lvl="2"/>
             <a:r>
-              <a:rPr lang="de-DE" smtClean="0"/>
+              <a:rPr lang="de-DE"/>
               <a:t>Dritte Ebene</a:t>
             </a:r>
           </a:p>
           <a:p>
             <a:pPr lvl="3"/>
             <a:r>
-              <a:rPr lang="de-DE" smtClean="0"/>
+              <a:rPr lang="de-DE"/>
               <a:t>Vierte Ebene</a:t>
             </a:r>
           </a:p>
           <a:p>
             <a:pPr lvl="4"/>
             <a:r>
-              <a:rPr lang="de-DE" smtClean="0"/>
+              <a:rPr lang="de-DE"/>
               <a:t>Fünfte Ebene</a:t>
             </a:r>
-            <a:endParaRPr lang="de-DE"/>
           </a:p>
         </p:txBody>
       </p:sp>
@@ -1429,10 +1470,9 @@
           </a:lstStyle>
           <a:p>
             <a:r>
-              <a:rPr lang="de-DE" smtClean="0"/>
+              <a:rPr lang="de-DE"/>
               <a:t>Titelmasterformat durch Klicken bearbeiten</a:t>
             </a:r>
-            <a:endParaRPr lang="de-DE"/>
           </a:p>
         </p:txBody>
       </p:sp>
@@ -1495,7 +1535,7 @@
           <a:p>
             <a:pPr lvl="0"/>
             <a:r>
-              <a:rPr lang="de-DE" smtClean="0"/>
+              <a:rPr lang="de-DE"/>
               <a:t>Textmasterformate durch Klicken bearbeiten</a:t>
             </a:r>
           </a:p>
@@ -1551,38 +1591,37 @@
           <a:p>
             <a:pPr lvl="0"/>
             <a:r>
-              <a:rPr lang="de-DE" smtClean="0"/>
+              <a:rPr lang="de-DE"/>
               <a:t>Textmasterformate durch Klicken bearbeiten</a:t>
             </a:r>
           </a:p>
           <a:p>
             <a:pPr lvl="1"/>
             <a:r>
-              <a:rPr lang="de-DE" smtClean="0"/>
+              <a:rPr lang="de-DE"/>
               <a:t>Zweite Ebene</a:t>
             </a:r>
           </a:p>
           <a:p>
             <a:pPr lvl="2"/>
             <a:r>
-              <a:rPr lang="de-DE" smtClean="0"/>
+              <a:rPr lang="de-DE"/>
               <a:t>Dritte Ebene</a:t>
             </a:r>
           </a:p>
           <a:p>
             <a:pPr lvl="3"/>
             <a:r>
-              <a:rPr lang="de-DE" smtClean="0"/>
+              <a:rPr lang="de-DE"/>
               <a:t>Vierte Ebene</a:t>
             </a:r>
           </a:p>
           <a:p>
             <a:pPr lvl="4"/>
             <a:r>
-              <a:rPr lang="de-DE" smtClean="0"/>
+              <a:rPr lang="de-DE"/>
               <a:t>Fünfte Ebene</a:t>
             </a:r>
-            <a:endParaRPr lang="de-DE"/>
           </a:p>
         </p:txBody>
       </p:sp>
@@ -1645,7 +1684,7 @@
           <a:p>
             <a:pPr lvl="0"/>
             <a:r>
-              <a:rPr lang="de-DE" smtClean="0"/>
+              <a:rPr lang="de-DE"/>
               <a:t>Textmasterformate durch Klicken bearbeiten</a:t>
             </a:r>
           </a:p>
@@ -1701,38 +1740,37 @@
           <a:p>
             <a:pPr lvl="0"/>
             <a:r>
-              <a:rPr lang="de-DE" smtClean="0"/>
+              <a:rPr lang="de-DE"/>
               <a:t>Textmasterformate durch Klicken bearbeiten</a:t>
             </a:r>
           </a:p>
           <a:p>
             <a:pPr lvl="1"/>
             <a:r>
-              <a:rPr lang="de-DE" smtClean="0"/>
+              <a:rPr lang="de-DE"/>
               <a:t>Zweite Ebene</a:t>
             </a:r>
           </a:p>
           <a:p>
             <a:pPr lvl="2"/>
             <a:r>
-              <a:rPr lang="de-DE" smtClean="0"/>
+              <a:rPr lang="de-DE"/>
               <a:t>Dritte Ebene</a:t>
             </a:r>
           </a:p>
           <a:p>
             <a:pPr lvl="3"/>
             <a:r>
-              <a:rPr lang="de-DE" smtClean="0"/>
+              <a:rPr lang="de-DE"/>
               <a:t>Vierte Ebene</a:t>
             </a:r>
           </a:p>
           <a:p>
             <a:pPr lvl="4"/>
             <a:r>
-              <a:rPr lang="de-DE" smtClean="0"/>
+              <a:rPr lang="de-DE"/>
               <a:t>Fünfte Ebene</a:t>
             </a:r>
-            <a:endParaRPr lang="de-DE"/>
           </a:p>
         </p:txBody>
       </p:sp>
@@ -1844,10 +1882,9 @@
           <a:lstStyle/>
           <a:p>
             <a:r>
-              <a:rPr lang="de-DE" smtClean="0"/>
+              <a:rPr lang="de-DE"/>
               <a:t>Titelmasterformat durch Klicken bearbeiten</a:t>
             </a:r>
-            <a:endParaRPr lang="de-DE"/>
           </a:p>
         </p:txBody>
       </p:sp>
@@ -2060,10 +2097,9 @@
           </a:lstStyle>
           <a:p>
             <a:r>
-              <a:rPr lang="de-DE" smtClean="0"/>
+              <a:rPr lang="de-DE"/>
               <a:t>Titelmasterformat durch Klicken bearbeiten</a:t>
             </a:r>
-            <a:endParaRPr lang="de-DE"/>
           </a:p>
         </p:txBody>
       </p:sp>
@@ -2117,38 +2153,37 @@
           <a:p>
             <a:pPr lvl="0"/>
             <a:r>
-              <a:rPr lang="de-DE" smtClean="0"/>
+              <a:rPr lang="de-DE"/>
               <a:t>Textmasterformate durch Klicken bearbeiten</a:t>
             </a:r>
           </a:p>
           <a:p>
             <a:pPr lvl="1"/>
             <a:r>
-              <a:rPr lang="de-DE" smtClean="0"/>
+              <a:rPr lang="de-DE"/>
               <a:t>Zweite Ebene</a:t>
             </a:r>
           </a:p>
           <a:p>
             <a:pPr lvl="2"/>
             <a:r>
-              <a:rPr lang="de-DE" smtClean="0"/>
+              <a:rPr lang="de-DE"/>
               <a:t>Dritte Ebene</a:t>
             </a:r>
           </a:p>
           <a:p>
             <a:pPr lvl="3"/>
             <a:r>
-              <a:rPr lang="de-DE" smtClean="0"/>
+              <a:rPr lang="de-DE"/>
               <a:t>Vierte Ebene</a:t>
             </a:r>
           </a:p>
           <a:p>
             <a:pPr lvl="4"/>
             <a:r>
-              <a:rPr lang="de-DE" smtClean="0"/>
+              <a:rPr lang="de-DE"/>
               <a:t>Fünfte Ebene</a:t>
             </a:r>
-            <a:endParaRPr lang="de-DE"/>
           </a:p>
         </p:txBody>
       </p:sp>
@@ -2211,7 +2246,7 @@
           <a:p>
             <a:pPr lvl="0"/>
             <a:r>
-              <a:rPr lang="de-DE" smtClean="0"/>
+              <a:rPr lang="de-DE"/>
               <a:t>Textmasterformate durch Klicken bearbeiten</a:t>
             </a:r>
           </a:p>
@@ -2334,10 +2369,9 @@
           </a:lstStyle>
           <a:p>
             <a:r>
-              <a:rPr lang="de-DE" smtClean="0"/>
+              <a:rPr lang="de-DE"/>
               <a:t>Titelmasterformat durch Klicken bearbeiten</a:t>
             </a:r>
-            <a:endParaRPr lang="de-DE"/>
           </a:p>
         </p:txBody>
       </p:sp>
@@ -2461,7 +2495,7 @@
           <a:p>
             <a:pPr lvl="0"/>
             <a:r>
-              <a:rPr lang="de-DE" smtClean="0"/>
+              <a:rPr lang="de-DE"/>
               <a:t>Textmasterformate durch Klicken bearbeiten</a:t>
             </a:r>
           </a:p>
@@ -2590,10 +2624,9 @@
           <a:lstStyle/>
           <a:p>
             <a:r>
-              <a:rPr lang="de-DE" smtClean="0"/>
+              <a:rPr lang="de-DE"/>
               <a:t>Titelmasterformat durch Klicken bearbeiten</a:t>
             </a:r>
-            <a:endParaRPr lang="de-DE"/>
           </a:p>
         </p:txBody>
       </p:sp>
@@ -2624,38 +2657,37 @@
           <a:p>
             <a:pPr lvl="0"/>
             <a:r>
-              <a:rPr lang="de-DE" smtClean="0"/>
+              <a:rPr lang="de-DE"/>
               <a:t>Textmasterformate durch Klicken bearbeiten</a:t>
             </a:r>
           </a:p>
           <a:p>
             <a:pPr lvl="1"/>
             <a:r>
-              <a:rPr lang="de-DE" smtClean="0"/>
+              <a:rPr lang="de-DE"/>
               <a:t>Zweite Ebene</a:t>
             </a:r>
           </a:p>
           <a:p>
             <a:pPr lvl="2"/>
             <a:r>
-              <a:rPr lang="de-DE" smtClean="0"/>
+              <a:rPr lang="de-DE"/>
               <a:t>Dritte Ebene</a:t>
             </a:r>
           </a:p>
           <a:p>
             <a:pPr lvl="3"/>
             <a:r>
-              <a:rPr lang="de-DE" smtClean="0"/>
+              <a:rPr lang="de-DE"/>
               <a:t>Vierte Ebene</a:t>
             </a:r>
           </a:p>
           <a:p>
             <a:pPr lvl="4"/>
             <a:r>
-              <a:rPr lang="de-DE" smtClean="0"/>
+              <a:rPr lang="de-DE"/>
               <a:t>Fünfte Ebene</a:t>
             </a:r>
-            <a:endParaRPr lang="de-DE"/>
           </a:p>
         </p:txBody>
       </p:sp>
@@ -3082,10 +3114,9 @@
           <a:lstStyle/>
           <a:p>
             <a:r>
-              <a:rPr lang="de-DE" dirty="0" smtClean="0"/>
+              <a:rPr lang="de-DE" dirty="0"/>
               <a:t>Verwaltung von Seminarräumen</a:t>
             </a:r>
-            <a:endParaRPr lang="de-DE" dirty="0"/>
           </a:p>
         </p:txBody>
       </p:sp>
@@ -3107,34 +3138,33 @@
           <a:lstStyle/>
           <a:p>
             <a:r>
-              <a:rPr lang="de-DE" sz="1400" dirty="0" smtClean="0"/>
+              <a:rPr lang="de-DE" sz="1400" dirty="0"/>
               <a:t>Necip </a:t>
             </a:r>
             <a:r>
-              <a:rPr lang="de-DE" sz="1400" dirty="0" err="1" smtClean="0"/>
+              <a:rPr lang="de-DE" sz="1400" dirty="0" err="1"/>
               <a:t>Özcay</a:t>
             </a:r>
             <a:r>
-              <a:rPr lang="de-DE" sz="1400" dirty="0" smtClean="0"/>
+              <a:rPr lang="de-DE" sz="1400" dirty="0"/>
               <a:t>, Kai </a:t>
             </a:r>
             <a:r>
-              <a:rPr lang="de-DE" sz="1400" dirty="0" err="1" smtClean="0"/>
+              <a:rPr lang="de-DE" sz="1400" dirty="0" err="1"/>
               <a:t>Penazzi</a:t>
             </a:r>
             <a:r>
-              <a:rPr lang="de-DE" sz="1400" dirty="0" smtClean="0"/>
+              <a:rPr lang="de-DE" sz="1400" dirty="0"/>
               <a:t>, Alexander Kehl, Michael </a:t>
             </a:r>
             <a:r>
-              <a:rPr lang="de-DE" sz="1400" dirty="0" err="1" smtClean="0"/>
+              <a:rPr lang="de-DE" sz="1400" dirty="0" err="1"/>
               <a:t>Antropov</a:t>
             </a:r>
             <a:r>
-              <a:rPr lang="de-DE" sz="1400" dirty="0" smtClean="0"/>
+              <a:rPr lang="de-DE" sz="1400" dirty="0"/>
               <a:t>, Nicklas Schwende</a:t>
             </a:r>
-            <a:endParaRPr lang="de-DE" sz="1400" dirty="0"/>
           </a:p>
         </p:txBody>
       </p:sp>
@@ -3143,13 +3173,6 @@
   <p:clrMapOvr>
     <a:masterClrMapping/>
   </p:clrMapOvr>
-  <p:timing>
-    <p:tnLst>
-      <p:par>
-        <p:cTn id="1" dur="indefinite" restart="never" nodeType="tmRoot"/>
-      </p:par>
-    </p:tnLst>
-  </p:timing>
 </p:sld>
 </file>
 
@@ -3186,10 +3209,9 @@
           <a:lstStyle/>
           <a:p>
             <a:r>
-              <a:rPr lang="de-DE" dirty="0" smtClean="0"/>
+              <a:rPr lang="de-DE" dirty="0"/>
               <a:t>Charter</a:t>
             </a:r>
-            <a:endParaRPr lang="de-DE" dirty="0"/>
           </a:p>
         </p:txBody>
       </p:sp>
@@ -3211,110 +3233,110 @@
           <a:lstStyle/>
           <a:p>
             <a:r>
-              <a:rPr lang="de-DE" sz="1800" dirty="0" smtClean="0"/>
+              <a:rPr lang="de-DE" sz="1800" dirty="0"/>
               <a:t>Anforderungen:</a:t>
             </a:r>
           </a:p>
           <a:p>
             <a:pPr lvl="1"/>
             <a:r>
-              <a:rPr lang="de-DE" sz="1400" dirty="0" smtClean="0"/>
+              <a:rPr lang="de-DE" sz="1400" dirty="0"/>
               <a:t>Buchung von Seminarräumen über eine Webanwendung.</a:t>
             </a:r>
           </a:p>
           <a:p>
             <a:pPr lvl="1"/>
             <a:r>
-              <a:rPr lang="de-DE" sz="1400" dirty="0" smtClean="0"/>
+              <a:rPr lang="de-DE" sz="1400" dirty="0"/>
               <a:t>Buchung erfolgt über eine Auswahl des Raumes und des gewünschten Stundenblocks.</a:t>
             </a:r>
           </a:p>
           <a:p>
             <a:pPr lvl="1"/>
             <a:r>
-              <a:rPr lang="de-DE" sz="1400" dirty="0" smtClean="0"/>
+              <a:rPr lang="de-DE" sz="1400" dirty="0"/>
               <a:t>Räume können unter einer Bestimmten </a:t>
             </a:r>
             <a:r>
-              <a:rPr lang="de-DE" sz="1400" dirty="0" err="1" smtClean="0"/>
+              <a:rPr lang="de-DE" sz="1400" dirty="0" err="1"/>
               <a:t>Priorisierung</a:t>
             </a:r>
             <a:r>
-              <a:rPr lang="de-DE" sz="1400" dirty="0" smtClean="0"/>
+              <a:rPr lang="de-DE" sz="1400" dirty="0"/>
               <a:t> gebucht werden.</a:t>
             </a:r>
           </a:p>
           <a:p>
             <a:pPr lvl="1"/>
             <a:r>
-              <a:rPr lang="de-DE" sz="1400" dirty="0" smtClean="0"/>
+              <a:rPr lang="de-DE" sz="1400" dirty="0"/>
               <a:t>Professoren &gt; Tutoren &gt; Studenten.</a:t>
             </a:r>
           </a:p>
           <a:p>
             <a:pPr lvl="1"/>
             <a:r>
-              <a:rPr lang="de-DE" sz="1400" dirty="0" smtClean="0"/>
+              <a:rPr lang="de-DE" sz="1400" dirty="0"/>
               <a:t>Eigene gebuchten Räume können eingesehen und verwaltet werden.</a:t>
             </a:r>
-            <a:endParaRPr lang="de-DE" sz="1800" dirty="0" smtClean="0"/>
-          </a:p>
-          <a:p>
-            <a:r>
-              <a:rPr lang="de-DE" sz="1800" dirty="0" smtClean="0"/>
+            <a:endParaRPr lang="de-DE" sz="1800" dirty="0"/>
+          </a:p>
+          <a:p>
+            <a:r>
+              <a:rPr lang="de-DE" sz="1800" dirty="0"/>
               <a:t>Abnahmekriterien:</a:t>
             </a:r>
           </a:p>
           <a:p>
             <a:pPr lvl="1"/>
             <a:r>
-              <a:rPr lang="de-DE" sz="1400" dirty="0" smtClean="0"/>
+              <a:rPr lang="de-DE" sz="1400" dirty="0"/>
               <a:t>Lesbarkeit okay bei 95% der Nutzer sollen nach 3 Monaten zufrieden sein, 2 Jahre Fehlerfrei.</a:t>
             </a:r>
           </a:p>
           <a:p>
             <a:r>
-              <a:rPr lang="de-DE" sz="1800" dirty="0" smtClean="0"/>
+              <a:rPr lang="de-DE" sz="1800" dirty="0"/>
               <a:t>Endergebnis:</a:t>
             </a:r>
           </a:p>
           <a:p>
             <a:pPr lvl="1"/>
             <a:r>
-              <a:rPr lang="de-DE" sz="1400" dirty="0" smtClean="0"/>
+              <a:rPr lang="de-DE" sz="1400" dirty="0"/>
               <a:t>Webanwendung mit einer Datenbank und einer online Einsicht</a:t>
             </a:r>
           </a:p>
           <a:p>
             <a:r>
-              <a:rPr lang="de-DE" sz="1800" dirty="0" smtClean="0"/>
+              <a:rPr lang="de-DE" sz="1800" dirty="0"/>
               <a:t>Grenzen/Risiken:</a:t>
             </a:r>
           </a:p>
           <a:p>
             <a:pPr lvl="1"/>
             <a:r>
-              <a:rPr lang="de-DE" sz="1400" dirty="0" smtClean="0"/>
+              <a:rPr lang="de-DE" sz="1400" dirty="0"/>
               <a:t>Von Anforderung bis Abgabe, keine Wartung. </a:t>
             </a:r>
           </a:p>
           <a:p>
             <a:pPr lvl="1"/>
             <a:r>
-              <a:rPr lang="de-DE" sz="1400" dirty="0" smtClean="0"/>
+              <a:rPr lang="de-DE" sz="1400" dirty="0"/>
               <a:t>Zeitmanagement, Falsche Daten, Datenverlust.</a:t>
             </a:r>
           </a:p>
           <a:p>
             <a:r>
-              <a:rPr lang="de-DE" sz="1800" dirty="0" smtClean="0"/>
+              <a:rPr lang="de-DE" sz="1800" dirty="0"/>
               <a:t>Deadline:</a:t>
             </a:r>
           </a:p>
           <a:p>
             <a:pPr lvl="1"/>
             <a:r>
-              <a:rPr lang="de-DE" sz="1400" dirty="0" smtClean="0"/>
+              <a:rPr lang="de-DE" sz="1400" dirty="0"/>
               <a:t>Ende Juni 2022 </a:t>
             </a:r>
           </a:p>
@@ -3328,13 +3350,6 @@
   <p:clrMapOvr>
     <a:masterClrMapping/>
   </p:clrMapOvr>
-  <p:timing>
-    <p:tnLst>
-      <p:par>
-        <p:cTn id="1" dur="indefinite" restart="never" nodeType="tmRoot"/>
-      </p:par>
-    </p:tnLst>
-  </p:timing>
 </p:sld>
 </file>
 
@@ -3371,10 +3386,9 @@
           <a:lstStyle/>
           <a:p>
             <a:r>
-              <a:rPr lang="de-DE" dirty="0" smtClean="0"/>
+              <a:rPr lang="de-DE" dirty="0"/>
               <a:t>Technologien</a:t>
             </a:r>
-            <a:endParaRPr lang="de-DE" dirty="0"/>
           </a:p>
         </p:txBody>
       </p:sp>
@@ -3396,106 +3410,106 @@
           <a:lstStyle/>
           <a:p>
             <a:r>
-              <a:rPr lang="de-DE" sz="1800" dirty="0" smtClean="0"/>
+              <a:rPr lang="de-DE" sz="1800" dirty="0"/>
               <a:t>Front End</a:t>
             </a:r>
           </a:p>
           <a:p>
             <a:pPr lvl="1"/>
             <a:r>
-              <a:rPr lang="de-DE" sz="1400" dirty="0" smtClean="0"/>
+              <a:rPr lang="de-DE" sz="1400" dirty="0"/>
               <a:t>CSHTML / </a:t>
             </a:r>
             <a:r>
-              <a:rPr lang="de-DE" sz="1400" dirty="0" err="1" smtClean="0"/>
+              <a:rPr lang="de-DE" sz="1400" dirty="0" err="1"/>
               <a:t>Razorpages</a:t>
             </a:r>
-            <a:endParaRPr lang="de-DE" sz="1400" dirty="0" smtClean="0"/>
-          </a:p>
-          <a:p>
-            <a:pPr lvl="1"/>
-            <a:r>
-              <a:rPr lang="de-DE" sz="1400" dirty="0" smtClean="0"/>
+            <a:endParaRPr lang="de-DE" sz="1400" dirty="0"/>
+          </a:p>
+          <a:p>
+            <a:pPr lvl="1"/>
+            <a:r>
+              <a:rPr lang="de-DE" sz="1400" dirty="0"/>
               <a:t>CSS</a:t>
             </a:r>
           </a:p>
           <a:p>
             <a:pPr lvl="1"/>
             <a:r>
-              <a:rPr lang="de-DE" sz="1400" dirty="0" smtClean="0"/>
+              <a:rPr lang="de-DE" sz="1400" dirty="0"/>
               <a:t>JavaScript / </a:t>
             </a:r>
             <a:r>
-              <a:rPr lang="de-DE" sz="1400" dirty="0" err="1" smtClean="0"/>
+              <a:rPr lang="de-DE" sz="1400" dirty="0" err="1"/>
               <a:t>jQuery</a:t>
             </a:r>
-            <a:endParaRPr lang="de-DE" sz="1400" dirty="0" smtClean="0"/>
-          </a:p>
-          <a:p>
-            <a:r>
-              <a:rPr lang="de-DE" sz="1800" dirty="0" smtClean="0"/>
+            <a:endParaRPr lang="de-DE" sz="1400" dirty="0"/>
+          </a:p>
+          <a:p>
+            <a:r>
+              <a:rPr lang="de-DE" sz="1800" dirty="0"/>
               <a:t>Back End</a:t>
             </a:r>
           </a:p>
           <a:p>
             <a:pPr lvl="1"/>
             <a:r>
-              <a:rPr lang="de-DE" sz="1400" dirty="0" smtClean="0"/>
+              <a:rPr lang="de-DE" sz="1400" dirty="0"/>
               <a:t>C# / ASP.NET 6.0 Core</a:t>
             </a:r>
           </a:p>
           <a:p>
             <a:r>
-              <a:rPr lang="de-DE" sz="1800" dirty="0" smtClean="0"/>
+              <a:rPr lang="de-DE" sz="1800" dirty="0"/>
               <a:t>Datenbank</a:t>
             </a:r>
           </a:p>
           <a:p>
             <a:pPr lvl="1"/>
             <a:r>
-              <a:rPr lang="de-DE" sz="1400" dirty="0" err="1" smtClean="0"/>
+              <a:rPr lang="de-DE" sz="1400" dirty="0" err="1"/>
               <a:t>MySQL</a:t>
             </a:r>
-            <a:endParaRPr lang="de-DE" sz="1400" dirty="0" smtClean="0"/>
-          </a:p>
-          <a:p>
-            <a:r>
-              <a:rPr lang="de-DE" sz="1800" dirty="0" smtClean="0"/>
+            <a:endParaRPr lang="de-DE" sz="1400" dirty="0"/>
+          </a:p>
+          <a:p>
+            <a:r>
+              <a:rPr lang="de-DE" sz="1800" dirty="0"/>
               <a:t>Publisher</a:t>
             </a:r>
           </a:p>
           <a:p>
             <a:pPr lvl="1"/>
             <a:r>
-              <a:rPr lang="de-DE" sz="1400" dirty="0" err="1" smtClean="0"/>
+              <a:rPr lang="de-DE" sz="1400" dirty="0" err="1"/>
               <a:t>Ionos</a:t>
             </a:r>
-            <a:endParaRPr lang="de-DE" sz="1400" dirty="0" smtClean="0"/>
-          </a:p>
-          <a:p>
-            <a:r>
-              <a:rPr lang="de-DE" sz="1800" dirty="0" smtClean="0"/>
+            <a:endParaRPr lang="de-DE" sz="1400" dirty="0"/>
+          </a:p>
+          <a:p>
+            <a:r>
+              <a:rPr lang="de-DE" sz="1800" dirty="0"/>
               <a:t>Versionsverwaltung</a:t>
             </a:r>
           </a:p>
           <a:p>
             <a:pPr lvl="1"/>
             <a:r>
-              <a:rPr lang="de-DE" sz="1400" dirty="0" err="1" smtClean="0"/>
+              <a:rPr lang="de-DE" sz="1400" dirty="0" err="1"/>
               <a:t>GitHub</a:t>
             </a:r>
-            <a:endParaRPr lang="de-DE" sz="1400" dirty="0" smtClean="0"/>
-          </a:p>
-          <a:p>
-            <a:r>
-              <a:rPr lang="de-DE" sz="1800" dirty="0" smtClean="0"/>
+            <a:endParaRPr lang="de-DE" sz="1400" dirty="0"/>
+          </a:p>
+          <a:p>
+            <a:r>
+              <a:rPr lang="de-DE" sz="1800" dirty="0"/>
               <a:t>Entwicklungsumgebung</a:t>
             </a:r>
           </a:p>
           <a:p>
             <a:pPr lvl="1"/>
             <a:r>
-              <a:rPr lang="de-DE" sz="1400" dirty="0" smtClean="0"/>
+              <a:rPr lang="de-DE" sz="1400" dirty="0"/>
               <a:t>Visual Studio 2022</a:t>
             </a:r>
           </a:p>
@@ -3542,10 +3556,9 @@
           <a:lstStyle/>
           <a:p>
             <a:r>
-              <a:rPr lang="de-DE" dirty="0" smtClean="0"/>
+              <a:rPr lang="de-DE" dirty="0"/>
               <a:t>Geändertes</a:t>
             </a:r>
-            <a:endParaRPr lang="de-DE" dirty="0"/>
           </a:p>
         </p:txBody>
       </p:sp>
@@ -3566,25 +3579,37 @@
           </a:bodyPr>
           <a:lstStyle/>
           <a:p>
-            <a:endParaRPr lang="de-DE" sz="1800" dirty="0" smtClean="0"/>
-          </a:p>
-          <a:p>
-            <a:r>
-              <a:rPr lang="de-DE" sz="1800" dirty="0" smtClean="0">
+            <a:endParaRPr lang="de-DE" sz="1800" dirty="0"/>
+          </a:p>
+          <a:p>
+            <a:r>
+              <a:rPr lang="de-DE" sz="1800" dirty="0">
                 <a:solidFill>
                   <a:srgbClr val="FF0000"/>
                 </a:solidFill>
               </a:rPr>
               <a:t>Kartenlesegerät</a:t>
             </a:r>
-            <a:endParaRPr lang="de-DE" sz="1800" dirty="0" smtClean="0">
+          </a:p>
+          <a:p>
+            <a:endParaRPr lang="de-DE" sz="1800" dirty="0">
               <a:solidFill>
                 <a:srgbClr val="FF0000"/>
               </a:solidFill>
             </a:endParaRPr>
           </a:p>
           <a:p>
-            <a:endParaRPr lang="de-DE" sz="1800" dirty="0" smtClean="0">
+            <a:r>
+              <a:rPr lang="de-DE" sz="1800" dirty="0">
+                <a:solidFill>
+                  <a:srgbClr val="FF0000"/>
+                </a:solidFill>
+              </a:rPr>
+              <a:t>Der Benutzer erhält eine E-Mail bei einem erfolgreich gebuchten/storniertem Raum</a:t>
+            </a:r>
+          </a:p>
+          <a:p>
+            <a:endParaRPr lang="de-DE" sz="1800" dirty="0">
               <a:solidFill>
                 <a:srgbClr val="FF0000"/>
               </a:solidFill>
@@ -3592,24 +3617,16 @@
           </a:p>
           <a:p>
             <a:r>
-              <a:rPr lang="de-DE" sz="1800" dirty="0" smtClean="0">
+              <a:rPr lang="de-DE" sz="1800" dirty="0">
                 <a:solidFill>
                   <a:srgbClr val="FF0000"/>
                 </a:solidFill>
               </a:rPr>
-              <a:t>Der Benutzer erhält eine E-Mail bei einem erfolgreich </a:t>
-            </a:r>
-            <a:r>
-              <a:rPr lang="de-DE" sz="1800" dirty="0" smtClean="0">
-                <a:solidFill>
-                  <a:srgbClr val="FF0000"/>
-                </a:solidFill>
-              </a:rPr>
-              <a:t>gebuchten/storniertem Raum</a:t>
-            </a:r>
-          </a:p>
-          <a:p>
-            <a:endParaRPr lang="de-DE" sz="1800" dirty="0" smtClean="0">
+              <a:t>Räume sollen über einen Button favorisiert werden können</a:t>
+            </a:r>
+          </a:p>
+          <a:p>
+            <a:endParaRPr lang="de-DE" sz="1800" dirty="0">
               <a:solidFill>
                 <a:srgbClr val="FF0000"/>
               </a:solidFill>
@@ -3617,32 +3634,7 @@
           </a:p>
           <a:p>
             <a:r>
-              <a:rPr lang="de-DE" sz="1800" dirty="0" smtClean="0">
-                <a:solidFill>
-                  <a:srgbClr val="FF0000"/>
-                </a:solidFill>
-              </a:rPr>
-              <a:t>Räume sollen über einen Button favorisiert werden </a:t>
-            </a:r>
-            <a:r>
-              <a:rPr lang="de-DE" sz="1800" dirty="0" smtClean="0">
-                <a:solidFill>
-                  <a:srgbClr val="FF0000"/>
-                </a:solidFill>
-              </a:rPr>
-              <a:t>können</a:t>
-            </a:r>
-          </a:p>
-          <a:p>
-            <a:endParaRPr lang="de-DE" sz="1800" dirty="0" smtClean="0">
-              <a:solidFill>
-                <a:srgbClr val="FF0000"/>
-              </a:solidFill>
-            </a:endParaRPr>
-          </a:p>
-          <a:p>
-            <a:r>
-              <a:rPr lang="de-DE" sz="1800" dirty="0" smtClean="0">
+              <a:rPr lang="de-DE" sz="1800" dirty="0">
                 <a:solidFill>
                   <a:srgbClr val="FFC000"/>
                 </a:solidFill>
@@ -3651,7 +3643,7 @@
             </a:r>
           </a:p>
           <a:p>
-            <a:endParaRPr lang="de-DE" sz="1800" dirty="0" smtClean="0">
+            <a:endParaRPr lang="de-DE" sz="1800" dirty="0">
               <a:solidFill>
                 <a:srgbClr val="FFC000"/>
               </a:solidFill>
@@ -3659,7 +3651,7 @@
           </a:p>
           <a:p>
             <a:r>
-              <a:rPr lang="de-DE" sz="1800" dirty="0" smtClean="0">
+              <a:rPr lang="de-DE" sz="1800" dirty="0">
                 <a:solidFill>
                   <a:srgbClr val="00B050"/>
                 </a:solidFill>
@@ -3667,7 +3659,7 @@
               <a:t>Unterteilung der „</a:t>
             </a:r>
             <a:r>
-              <a:rPr lang="de-DE" sz="1800" dirty="0" err="1" smtClean="0">
+              <a:rPr lang="de-DE" sz="1800" dirty="0" err="1">
                 <a:solidFill>
                   <a:srgbClr val="00B050"/>
                 </a:solidFill>
@@ -3675,18 +3667,13 @@
               <a:t>Booked</a:t>
             </a:r>
             <a:r>
-              <a:rPr lang="de-DE" sz="1800" dirty="0" smtClean="0">
+              <a:rPr lang="de-DE" sz="1800" dirty="0">
                 <a:solidFill>
                   <a:srgbClr val="00B050"/>
                 </a:solidFill>
               </a:rPr>
               <a:t>“ Page</a:t>
             </a:r>
-            <a:endParaRPr lang="de-DE" sz="1800" dirty="0" smtClean="0">
-              <a:solidFill>
-                <a:srgbClr val="00B050"/>
-              </a:solidFill>
-            </a:endParaRPr>
           </a:p>
           <a:p>
             <a:endParaRPr lang="de-DE" sz="1800" dirty="0"/>
@@ -3734,10 +3721,9 @@
           <a:lstStyle/>
           <a:p>
             <a:r>
-              <a:rPr lang="de-DE" dirty="0" smtClean="0"/>
+              <a:rPr lang="de-DE" dirty="0"/>
               <a:t>Erreichtes</a:t>
             </a:r>
-            <a:endParaRPr lang="de-DE" dirty="0"/>
           </a:p>
         </p:txBody>
       </p:sp>
@@ -3759,132 +3745,86 @@
           <a:lstStyle/>
           <a:p>
             <a:r>
-              <a:rPr lang="de-DE" sz="1800" dirty="0" smtClean="0"/>
+              <a:rPr lang="de-DE" sz="1800" dirty="0"/>
               <a:t>Webanwendung:</a:t>
             </a:r>
           </a:p>
           <a:p>
             <a:pPr lvl="1"/>
             <a:r>
-              <a:rPr lang="de-DE" sz="1400" dirty="0" smtClean="0"/>
+              <a:rPr lang="de-DE" sz="1400" dirty="0"/>
               <a:t>Anmeldeformular.</a:t>
             </a:r>
           </a:p>
           <a:p>
             <a:pPr lvl="1"/>
             <a:r>
-              <a:rPr lang="de-DE" sz="1400" dirty="0" smtClean="0"/>
+              <a:rPr lang="de-DE" sz="1400" dirty="0"/>
               <a:t>Registrierungsformular.</a:t>
             </a:r>
-            <a:endParaRPr lang="de-DE" sz="1400" dirty="0" smtClean="0"/>
-          </a:p>
-          <a:p>
-            <a:pPr lvl="1"/>
-            <a:r>
-              <a:rPr lang="de-DE" sz="1400" dirty="0" smtClean="0"/>
-              <a:t>Übersicht mit </a:t>
-            </a:r>
-            <a:r>
-              <a:rPr lang="de-DE" sz="1400" dirty="0" smtClean="0"/>
-              <a:t>allen Räumen</a:t>
-            </a:r>
-            <a:r>
-              <a:rPr lang="de-DE" sz="1400" dirty="0" smtClean="0"/>
-              <a:t>.</a:t>
-            </a:r>
-          </a:p>
-          <a:p>
-            <a:pPr lvl="1"/>
-            <a:r>
-              <a:rPr lang="de-DE" sz="1400" dirty="0" smtClean="0"/>
+          </a:p>
+          <a:p>
+            <a:pPr lvl="1"/>
+            <a:r>
+              <a:rPr lang="de-DE" sz="1400" dirty="0"/>
+              <a:t>Übersicht mit allen Räumen.</a:t>
+            </a:r>
+          </a:p>
+          <a:p>
+            <a:pPr lvl="1"/>
+            <a:r>
+              <a:rPr lang="de-DE" sz="1400" dirty="0"/>
               <a:t>Such und Filterfunktion.</a:t>
             </a:r>
           </a:p>
           <a:p>
             <a:pPr lvl="1"/>
             <a:r>
-              <a:rPr lang="de-DE" sz="1400" dirty="0" smtClean="0">
+              <a:rPr lang="de-DE" sz="1400" dirty="0">
                 <a:solidFill>
                   <a:srgbClr val="FFC000"/>
                 </a:solidFill>
               </a:rPr>
-              <a:t>Professoren: rot, Tutoren: gelb, Studenten: </a:t>
-            </a:r>
-            <a:r>
-              <a:rPr lang="de-DE" sz="1400" dirty="0" smtClean="0">
-                <a:solidFill>
-                  <a:srgbClr val="FFC000"/>
-                </a:solidFill>
-              </a:rPr>
-              <a:t>grün, freie Blöcke </a:t>
-            </a:r>
-            <a:r>
-              <a:rPr lang="de-DE" sz="1400" dirty="0" smtClean="0">
-                <a:solidFill>
-                  <a:srgbClr val="FFC000"/>
-                </a:solidFill>
-              </a:rPr>
-              <a:t>blau</a:t>
-            </a:r>
-            <a:r>
-              <a:rPr lang="de-DE" sz="1400" dirty="0" smtClean="0">
-                <a:solidFill>
-                  <a:srgbClr val="FFC000"/>
-                </a:solidFill>
-              </a:rPr>
-              <a:t>.</a:t>
-            </a:r>
-            <a:endParaRPr lang="de-DE" sz="1400" dirty="0" smtClean="0">
-              <a:solidFill>
-                <a:srgbClr val="FFC000"/>
-              </a:solidFill>
-            </a:endParaRPr>
-          </a:p>
-          <a:p>
-            <a:pPr lvl="1"/>
-            <a:r>
-              <a:rPr lang="de-DE" sz="1400" dirty="0" err="1" smtClean="0"/>
+              <a:t>Professoren: rot, Tutoren: gelb, Studenten: grün, freie Blöcke blau.</a:t>
+            </a:r>
+          </a:p>
+          <a:p>
+            <a:pPr lvl="1"/>
+            <a:r>
+              <a:rPr lang="de-DE" sz="1400" dirty="0" err="1"/>
               <a:t>Priorisierung</a:t>
             </a:r>
             <a:r>
-              <a:rPr lang="de-DE" sz="1400" dirty="0" smtClean="0"/>
+              <a:rPr lang="de-DE" sz="1400" dirty="0"/>
               <a:t>: Professoren &gt; Tutoren &gt; Studenten.</a:t>
             </a:r>
           </a:p>
           <a:p>
             <a:pPr lvl="1"/>
             <a:r>
-              <a:rPr lang="de-DE" sz="1400" dirty="0" smtClean="0"/>
+              <a:rPr lang="de-DE" sz="1400" dirty="0"/>
               <a:t>Übersicht bei Bestätigung der Buchung, welche Räume gebucht werden konnten und welche nicht.</a:t>
             </a:r>
           </a:p>
           <a:p>
             <a:pPr lvl="1"/>
             <a:r>
-              <a:rPr lang="de-DE" sz="1400" dirty="0" smtClean="0"/>
+              <a:rPr lang="de-DE" sz="1400" dirty="0"/>
               <a:t>Verwaltung eigener Daten im Nutzerprofil.</a:t>
             </a:r>
           </a:p>
           <a:p>
             <a:pPr lvl="1"/>
             <a:r>
-              <a:rPr lang="de-DE" sz="1400" dirty="0" smtClean="0">
+              <a:rPr lang="de-DE" sz="1400" dirty="0">
                 <a:solidFill>
                   <a:srgbClr val="00B050"/>
                 </a:solidFill>
               </a:rPr>
-              <a:t>Einsicht und Verwaltung der eigenen gebuchten Räume unter der Seite </a:t>
-            </a:r>
-            <a:r>
-              <a:rPr lang="de-DE" sz="1400" dirty="0" smtClean="0">
-                <a:solidFill>
-                  <a:srgbClr val="00B050"/>
-                </a:solidFill>
-              </a:rPr>
-              <a:t>„</a:t>
-            </a:r>
-            <a:r>
-              <a:rPr lang="de-DE" sz="1400" dirty="0" err="1" smtClean="0">
+              <a:t>Einsicht und Verwaltung der eigenen gebuchten Räume unter der Seite „</a:t>
+            </a:r>
+            <a:r>
+              <a:rPr lang="de-DE" sz="1400" dirty="0" err="1">
                 <a:solidFill>
                   <a:srgbClr val="00B050"/>
                 </a:solidFill>
@@ -3892,47 +3832,26 @@
               <a:t>Booked</a:t>
             </a:r>
             <a:r>
-              <a:rPr lang="de-DE" sz="1400" dirty="0" smtClean="0">
+              <a:rPr lang="de-DE" sz="1400" dirty="0">
                 <a:solidFill>
                   <a:srgbClr val="00B050"/>
                 </a:solidFill>
               </a:rPr>
               <a:t>“</a:t>
             </a:r>
-            <a:endParaRPr lang="de-DE" sz="1400" dirty="0" smtClean="0">
-              <a:solidFill>
-                <a:srgbClr val="00B050"/>
-              </a:solidFill>
-            </a:endParaRPr>
-          </a:p>
-          <a:p>
-            <a:pPr lvl="1"/>
-            <a:r>
-              <a:rPr lang="de-DE" sz="1400" dirty="0" smtClean="0">
+          </a:p>
+          <a:p>
+            <a:pPr lvl="1"/>
+            <a:r>
+              <a:rPr lang="de-DE" sz="1400" dirty="0">
                 <a:solidFill>
                   <a:srgbClr val="00B050"/>
                 </a:solidFill>
               </a:rPr>
-              <a:t>Gebuchte </a:t>
-            </a:r>
-            <a:r>
-              <a:rPr lang="de-DE" sz="1400" dirty="0" smtClean="0">
-                <a:solidFill>
-                  <a:srgbClr val="00B050"/>
-                </a:solidFill>
-              </a:rPr>
-              <a:t>Räume, </a:t>
-            </a:r>
-            <a:r>
-              <a:rPr lang="de-DE" sz="1400" dirty="0" smtClean="0">
-                <a:solidFill>
-                  <a:srgbClr val="00B050"/>
-                </a:solidFill>
-              </a:rPr>
-              <a:t>welche in der Vergangenheit liegen, können unter der Seite „</a:t>
-            </a:r>
-            <a:r>
-              <a:rPr lang="de-DE" sz="1400" dirty="0" err="1" smtClean="0">
+              <a:t>Gebuchte Räume, welche in der Vergangenheit liegen, können unter der Seite „</a:t>
+            </a:r>
+            <a:r>
+              <a:rPr lang="de-DE" sz="1400" dirty="0" err="1">
                 <a:solidFill>
                   <a:srgbClr val="00B050"/>
                 </a:solidFill>
@@ -3940,7 +3859,7 @@
               <a:t>History</a:t>
             </a:r>
             <a:r>
-              <a:rPr lang="de-DE" sz="1400" dirty="0" smtClean="0">
+              <a:rPr lang="de-DE" sz="1400" dirty="0">
                 <a:solidFill>
                   <a:srgbClr val="00B050"/>
                 </a:solidFill>
@@ -3951,18 +3870,9 @@
           <a:p>
             <a:pPr lvl="1"/>
             <a:r>
-              <a:rPr lang="de-DE" sz="1400" dirty="0" smtClean="0"/>
-              <a:t>Der Benutzer kann sich jederzeit selbst vom System im Browser abmelden oder wird durch einen </a:t>
-            </a:r>
-            <a:r>
-              <a:rPr lang="de-DE" sz="1400" dirty="0" smtClean="0"/>
-              <a:t>Timeout </a:t>
-            </a:r>
-            <a:r>
-              <a:rPr lang="de-DE" sz="1400" dirty="0" smtClean="0"/>
-              <a:t>automatisch abgemeldet. </a:t>
-            </a:r>
-            <a:endParaRPr lang="de-DE" sz="1400" dirty="0" smtClean="0"/>
+              <a:rPr lang="de-DE" sz="1400" dirty="0"/>
+              <a:t>Der Benutzer kann sich jederzeit selbst vom System im Browser abmelden oder wird durch einen Timeout automatisch abgemeldet. </a:t>
+            </a:r>
           </a:p>
           <a:p>
             <a:pPr>
@@ -4013,10 +3923,9 @@
           <a:lstStyle/>
           <a:p>
             <a:r>
-              <a:rPr lang="de-DE" dirty="0" smtClean="0"/>
+              <a:rPr lang="de-DE" dirty="0"/>
               <a:t>Selbstreflexion</a:t>
             </a:r>
-            <a:endParaRPr lang="de-DE" dirty="0"/>
           </a:p>
         </p:txBody>
       </p:sp>
@@ -4038,72 +3947,72 @@
           <a:lstStyle/>
           <a:p>
             <a:r>
-              <a:rPr lang="de-DE" sz="1800" dirty="0" smtClean="0"/>
+              <a:rPr lang="de-DE" sz="1800" dirty="0"/>
               <a:t>Planungsfehler</a:t>
             </a:r>
           </a:p>
           <a:p>
             <a:pPr lvl="1"/>
             <a:r>
-              <a:rPr lang="de-DE" sz="1400" dirty="0" smtClean="0"/>
+              <a:rPr lang="de-DE" sz="1400" dirty="0"/>
               <a:t>Keine festgelegte Technologie</a:t>
             </a:r>
           </a:p>
           <a:p>
             <a:pPr lvl="1"/>
             <a:r>
-              <a:rPr lang="de-DE" sz="1400" dirty="0" smtClean="0"/>
+              <a:rPr lang="de-DE" sz="1400" dirty="0"/>
               <a:t>Ungenaue Zeitpläne</a:t>
             </a:r>
           </a:p>
           <a:p>
             <a:pPr lvl="1"/>
             <a:r>
-              <a:rPr lang="de-DE" sz="1400" dirty="0" smtClean="0"/>
+              <a:rPr lang="de-DE" sz="1400" dirty="0"/>
               <a:t>Ungenaue Unterteilung des Projekts</a:t>
             </a:r>
           </a:p>
           <a:p>
             <a:pPr lvl="1"/>
             <a:r>
-              <a:rPr lang="de-DE" sz="1400" dirty="0" smtClean="0"/>
+              <a:rPr lang="de-DE" sz="1400" dirty="0"/>
               <a:t>Zu späte Spezifizierung</a:t>
             </a:r>
           </a:p>
           <a:p>
             <a:pPr lvl="1"/>
-            <a:endParaRPr lang="de-DE" sz="1400" dirty="0" smtClean="0"/>
-          </a:p>
-          <a:p>
-            <a:endParaRPr lang="de-DE" sz="1800" dirty="0" smtClean="0"/>
-          </a:p>
-          <a:p>
-            <a:r>
-              <a:rPr lang="de-DE" sz="1800" dirty="0" smtClean="0"/>
+            <a:endParaRPr lang="de-DE" sz="1400" dirty="0"/>
+          </a:p>
+          <a:p>
+            <a:endParaRPr lang="de-DE" sz="1800" dirty="0"/>
+          </a:p>
+          <a:p>
+            <a:r>
+              <a:rPr lang="de-DE" sz="1800" dirty="0"/>
               <a:t>Implementierungsfehler</a:t>
             </a:r>
           </a:p>
           <a:p>
             <a:pPr lvl="1"/>
             <a:r>
-              <a:rPr lang="de-DE" sz="1400" dirty="0" smtClean="0"/>
+              <a:rPr lang="de-DE" sz="1400" dirty="0"/>
               <a:t>Keine automatisierten Tests</a:t>
             </a:r>
           </a:p>
           <a:p>
             <a:pPr lvl="1"/>
             <a:r>
-              <a:rPr lang="de-DE" sz="1400" dirty="0" smtClean="0"/>
+              <a:rPr lang="de-DE" sz="1400" dirty="0"/>
               <a:t>Datenbankmigration Bugs</a:t>
             </a:r>
           </a:p>
           <a:p>
             <a:pPr lvl="1"/>
             <a:r>
-              <a:rPr lang="de-DE" sz="1400" dirty="0" smtClean="0"/>
+              <a:rPr lang="de-DE" sz="1400" dirty="0"/>
               <a:t>Keine Einhaltung des Zeitmanagement</a:t>
             </a:r>
-            <a:endParaRPr lang="de-DE" sz="1800" dirty="0" smtClean="0"/>
+            <a:endParaRPr lang="de-DE" sz="1800" dirty="0"/>
           </a:p>
         </p:txBody>
       </p:sp>
@@ -4148,10 +4057,9 @@
           <a:lstStyle/>
           <a:p>
             <a:r>
-              <a:rPr lang="de-DE" dirty="0" smtClean="0"/>
+              <a:rPr lang="de-DE" dirty="0"/>
               <a:t>Empfehlungen für Projekt 2</a:t>
             </a:r>
-            <a:endParaRPr lang="de-DE" dirty="0"/>
           </a:p>
         </p:txBody>
       </p:sp>
@@ -4172,32 +4080,31 @@
           </a:bodyPr>
           <a:lstStyle/>
           <a:p>
-            <a:endParaRPr lang="de-DE" sz="1800" dirty="0" smtClean="0"/>
-          </a:p>
-          <a:p>
-            <a:r>
-              <a:rPr lang="de-DE" sz="1800" dirty="0" smtClean="0"/>
+            <a:endParaRPr lang="de-DE" sz="1800" dirty="0"/>
+          </a:p>
+          <a:p>
+            <a:r>
+              <a:rPr lang="de-DE" sz="1800" dirty="0"/>
               <a:t>Mehr Planung</a:t>
             </a:r>
           </a:p>
           <a:p>
-            <a:endParaRPr lang="de-DE" sz="1800" dirty="0" smtClean="0"/>
-          </a:p>
-          <a:p>
-            <a:r>
-              <a:rPr lang="de-DE" sz="1800" dirty="0" smtClean="0"/>
+            <a:endParaRPr lang="de-DE" sz="1800" dirty="0"/>
+          </a:p>
+          <a:p>
+            <a:r>
+              <a:rPr lang="de-DE" sz="1800" dirty="0"/>
               <a:t>Genauere Spezifikation</a:t>
             </a:r>
           </a:p>
           <a:p>
-            <a:endParaRPr lang="de-DE" sz="1800" dirty="0" smtClean="0"/>
-          </a:p>
-          <a:p>
-            <a:r>
-              <a:rPr lang="de-DE" sz="1800" dirty="0" smtClean="0"/>
+            <a:endParaRPr lang="de-DE" sz="1800" dirty="0"/>
+          </a:p>
+          <a:p>
+            <a:r>
+              <a:rPr lang="de-DE" sz="1800" dirty="0"/>
               <a:t>Frühere Festlegung auf Technologien</a:t>
             </a:r>
-            <a:endParaRPr lang="de-DE" sz="1800" dirty="0"/>
           </a:p>
         </p:txBody>
       </p:sp>
@@ -4242,119 +4149,128 @@
           <a:lstStyle/>
           <a:p>
             <a:r>
-              <a:rPr lang="de-DE" dirty="0" smtClean="0"/>
+              <a:rPr lang="de-DE" dirty="0"/>
               <a:t>Testen</a:t>
             </a:r>
+          </a:p>
+        </p:txBody>
+      </p:sp>
+      <p:sp>
+        <p:nvSpPr>
+          <p:cNvPr id="3" name="Inhaltsplatzhalter 2"/>
+          <p:cNvSpPr>
+            <a:spLocks noGrp="1"/>
+          </p:cNvSpPr>
+          <p:nvPr>
+            <p:ph idx="1"/>
+          </p:nvPr>
+        </p:nvSpPr>
+        <p:spPr/>
+        <p:txBody>
+          <a:bodyPr vert="horz" lIns="91440" tIns="45720" rIns="91440" bIns="45720" rtlCol="0" anchor="t">
+            <a:normAutofit fontScale="70000" lnSpcReduction="20000"/>
+          </a:bodyPr>
+          <a:lstStyle/>
+          <a:p>
+            <a:r>
+              <a:rPr lang="de-DE" dirty="0">
+                <a:ea typeface="+mn-lt"/>
+                <a:cs typeface="+mn-lt"/>
+                <a:hlinkClick r:id="rId2"/>
+              </a:rPr>
+              <a:t>https://raumbuchenhs-offenburg.de</a:t>
+            </a:r>
             <a:endParaRPr lang="de-DE" dirty="0"/>
           </a:p>
-        </p:txBody>
-      </p:sp>
-      <p:sp>
-        <p:nvSpPr>
-          <p:cNvPr id="3" name="Inhaltsplatzhalter 2"/>
-          <p:cNvSpPr>
-            <a:spLocks noGrp="1"/>
-          </p:cNvSpPr>
-          <p:nvPr>
-            <p:ph idx="1"/>
-          </p:nvPr>
-        </p:nvSpPr>
-        <p:spPr/>
-        <p:txBody>
-          <a:bodyPr>
-            <a:normAutofit fontScale="85000" lnSpcReduction="20000"/>
-          </a:bodyPr>
-          <a:lstStyle/>
-          <a:p>
-            <a:r>
-              <a:rPr lang="de-DE" dirty="0" smtClean="0"/>
-              <a:t>User Registrierung: </a:t>
-            </a:r>
-          </a:p>
-          <a:p>
-            <a:pPr lvl="1"/>
-            <a:r>
-              <a:rPr lang="de-DE" dirty="0" smtClean="0"/>
+          <a:p>
+            <a:endParaRPr lang="de-DE" dirty="0">
+              <a:cs typeface="Calibri"/>
+            </a:endParaRPr>
+          </a:p>
+          <a:p>
+            <a:r>
+              <a:rPr lang="de-DE" dirty="0"/>
+              <a:t>User Registrierung: </a:t>
+            </a:r>
+            <a:endParaRPr lang="de-DE" dirty="0">
+              <a:cs typeface="Calibri"/>
+            </a:endParaRPr>
+          </a:p>
+          <a:p>
+            <a:pPr lvl="1"/>
+            <a:r>
+              <a:rPr lang="de-DE" dirty="0"/>
               <a:t>Privatmail/Hochschulmail</a:t>
             </a:r>
           </a:p>
           <a:p>
             <a:pPr lvl="1"/>
             <a:r>
-              <a:rPr lang="de-DE" dirty="0" smtClean="0"/>
-              <a:t>PW </a:t>
-            </a:r>
-            <a:r>
-              <a:rPr lang="de-DE" dirty="0" err="1" smtClean="0"/>
-              <a:t>bsp</a:t>
-            </a:r>
-            <a:r>
-              <a:rPr lang="de-DE" dirty="0" smtClean="0"/>
-              <a:t>.: Test123.</a:t>
-            </a:r>
-          </a:p>
-          <a:p>
-            <a:r>
-              <a:rPr lang="de-DE" dirty="0" smtClean="0"/>
+              <a:rPr lang="de-DE" dirty="0"/>
+              <a:t>PW bsp.: Test123.</a:t>
+            </a:r>
+          </a:p>
+          <a:p>
+            <a:r>
+              <a:rPr lang="de-DE" dirty="0"/>
               <a:t>Tutor:</a:t>
             </a:r>
           </a:p>
           <a:p>
             <a:pPr lvl="1"/>
             <a:r>
-              <a:rPr lang="de-DE" dirty="0" smtClean="0"/>
+              <a:rPr lang="de-DE" dirty="0"/>
               <a:t>TutorX@proOne.de </a:t>
             </a:r>
           </a:p>
           <a:p>
             <a:pPr lvl="1"/>
             <a:r>
-              <a:rPr lang="de-DE" dirty="0" smtClean="0"/>
+              <a:rPr lang="de-DE" dirty="0"/>
               <a:t>PW: TutorX@proOne.de</a:t>
             </a:r>
           </a:p>
           <a:p>
             <a:pPr lvl="1"/>
             <a:r>
-              <a:rPr lang="de-DE" dirty="0" smtClean="0"/>
+              <a:rPr lang="de-DE" dirty="0"/>
               <a:t>X = {1-20}</a:t>
             </a:r>
           </a:p>
           <a:p>
             <a:r>
-              <a:rPr lang="de-DE" dirty="0" smtClean="0"/>
+              <a:rPr lang="de-DE" dirty="0"/>
               <a:t>Prof:</a:t>
             </a:r>
           </a:p>
           <a:p>
             <a:pPr lvl="1"/>
             <a:r>
-              <a:rPr lang="de-DE" dirty="0" smtClean="0"/>
+              <a:rPr lang="de-DE" dirty="0"/>
               <a:t>ProfY@proOne.de</a:t>
             </a:r>
           </a:p>
           <a:p>
             <a:pPr lvl="1"/>
             <a:r>
-              <a:rPr lang="de-DE" dirty="0" smtClean="0"/>
+              <a:rPr lang="de-DE" dirty="0"/>
               <a:t>PW: ProfY@proOne.de</a:t>
             </a:r>
           </a:p>
           <a:p>
             <a:pPr lvl="1"/>
             <a:r>
-              <a:rPr lang="de-DE" dirty="0" smtClean="0"/>
+              <a:rPr lang="de-DE" dirty="0"/>
               <a:t>Y = {1-10}</a:t>
             </a:r>
-            <a:endParaRPr lang="de-DE" dirty="0" smtClean="0"/>
-          </a:p>
-          <a:p>
-            <a:pPr lvl="1"/>
-            <a:endParaRPr lang="de-DE" dirty="0" smtClean="0"/>
-          </a:p>
-          <a:p>
-            <a:pPr lvl="1"/>
-            <a:endParaRPr lang="de-DE" dirty="0" smtClean="0"/>
+          </a:p>
+          <a:p>
+            <a:pPr lvl="1"/>
+            <a:endParaRPr lang="de-DE" dirty="0"/>
+          </a:p>
+          <a:p>
+            <a:pPr lvl="1"/>
+            <a:endParaRPr lang="de-DE" dirty="0"/>
           </a:p>
         </p:txBody>
       </p:sp>
